--- a/presentation.pptx
+++ b/presentation.pptx
@@ -7,13 +7,20 @@
   <p:sldIdLst>
     <p:sldId id="256" r:id="rId2"/>
     <p:sldId id="257" r:id="rId3"/>
-    <p:sldId id="258" r:id="rId4"/>
-    <p:sldId id="259" r:id="rId5"/>
-    <p:sldId id="260" r:id="rId6"/>
-    <p:sldId id="264" r:id="rId7"/>
-    <p:sldId id="261" r:id="rId8"/>
-    <p:sldId id="262" r:id="rId9"/>
-    <p:sldId id="263" r:id="rId10"/>
+    <p:sldId id="265" r:id="rId4"/>
+    <p:sldId id="258" r:id="rId5"/>
+    <p:sldId id="259" r:id="rId6"/>
+    <p:sldId id="266" r:id="rId7"/>
+    <p:sldId id="267" r:id="rId8"/>
+    <p:sldId id="260" r:id="rId9"/>
+    <p:sldId id="264" r:id="rId10"/>
+    <p:sldId id="261" r:id="rId11"/>
+    <p:sldId id="269" r:id="rId12"/>
+    <p:sldId id="270" r:id="rId13"/>
+    <p:sldId id="271" r:id="rId14"/>
+    <p:sldId id="272" r:id="rId15"/>
+    <p:sldId id="263" r:id="rId16"/>
+    <p:sldId id="268" r:id="rId17"/>
   </p:sldIdLst>
   <p:sldSz cx="12192000" cy="6858000"/>
   <p:notesSz cx="6858000" cy="9144000"/>
@@ -112,6 +119,11 @@
       </a:defRPr>
     </a:lvl9pPr>
   </p:defaultTextStyle>
+  <p:extLst>
+    <p:ext uri="{EFAFB233-063F-42B5-8137-9DF3F51BA10A}">
+      <p15:sldGuideLst xmlns:p15="http://schemas.microsoft.com/office/powerpoint/2012/main"/>
+    </p:ext>
+  </p:extLst>
 </p:presentation>
 </file>
 
@@ -262,7 +274,7 @@
           <a:p>
             <a:fld id="{C4398B16-2979-4210-8032-D30A6CFBC287}" type="datetimeFigureOut">
               <a:rPr lang="ru-RU" smtClean="0"/>
-              <a:t>10.05.2024</a:t>
+              <a:t>15.05.2024</a:t>
             </a:fld>
             <a:endParaRPr lang="ru-RU"/>
           </a:p>
@@ -460,7 +472,7 @@
           <a:p>
             <a:fld id="{C4398B16-2979-4210-8032-D30A6CFBC287}" type="datetimeFigureOut">
               <a:rPr lang="ru-RU" smtClean="0"/>
-              <a:t>10.05.2024</a:t>
+              <a:t>15.05.2024</a:t>
             </a:fld>
             <a:endParaRPr lang="ru-RU"/>
           </a:p>
@@ -668,7 +680,7 @@
           <a:p>
             <a:fld id="{C4398B16-2979-4210-8032-D30A6CFBC287}" type="datetimeFigureOut">
               <a:rPr lang="ru-RU" smtClean="0"/>
-              <a:t>10.05.2024</a:t>
+              <a:t>15.05.2024</a:t>
             </a:fld>
             <a:endParaRPr lang="ru-RU"/>
           </a:p>
@@ -866,7 +878,7 @@
           <a:p>
             <a:fld id="{C4398B16-2979-4210-8032-D30A6CFBC287}" type="datetimeFigureOut">
               <a:rPr lang="ru-RU" smtClean="0"/>
-              <a:t>10.05.2024</a:t>
+              <a:t>15.05.2024</a:t>
             </a:fld>
             <a:endParaRPr lang="ru-RU"/>
           </a:p>
@@ -1141,7 +1153,7 @@
           <a:p>
             <a:fld id="{C4398B16-2979-4210-8032-D30A6CFBC287}" type="datetimeFigureOut">
               <a:rPr lang="ru-RU" smtClean="0"/>
-              <a:t>10.05.2024</a:t>
+              <a:t>15.05.2024</a:t>
             </a:fld>
             <a:endParaRPr lang="ru-RU"/>
           </a:p>
@@ -1406,7 +1418,7 @@
           <a:p>
             <a:fld id="{C4398B16-2979-4210-8032-D30A6CFBC287}" type="datetimeFigureOut">
               <a:rPr lang="ru-RU" smtClean="0"/>
-              <a:t>10.05.2024</a:t>
+              <a:t>15.05.2024</a:t>
             </a:fld>
             <a:endParaRPr lang="ru-RU"/>
           </a:p>
@@ -1818,7 +1830,7 @@
           <a:p>
             <a:fld id="{C4398B16-2979-4210-8032-D30A6CFBC287}" type="datetimeFigureOut">
               <a:rPr lang="ru-RU" smtClean="0"/>
-              <a:t>10.05.2024</a:t>
+              <a:t>15.05.2024</a:t>
             </a:fld>
             <a:endParaRPr lang="ru-RU"/>
           </a:p>
@@ -1959,7 +1971,7 @@
           <a:p>
             <a:fld id="{C4398B16-2979-4210-8032-D30A6CFBC287}" type="datetimeFigureOut">
               <a:rPr lang="ru-RU" smtClean="0"/>
-              <a:t>10.05.2024</a:t>
+              <a:t>15.05.2024</a:t>
             </a:fld>
             <a:endParaRPr lang="ru-RU"/>
           </a:p>
@@ -2072,7 +2084,7 @@
           <a:p>
             <a:fld id="{C4398B16-2979-4210-8032-D30A6CFBC287}" type="datetimeFigureOut">
               <a:rPr lang="ru-RU" smtClean="0"/>
-              <a:t>10.05.2024</a:t>
+              <a:t>15.05.2024</a:t>
             </a:fld>
             <a:endParaRPr lang="ru-RU"/>
           </a:p>
@@ -2383,7 +2395,7 @@
           <a:p>
             <a:fld id="{C4398B16-2979-4210-8032-D30A6CFBC287}" type="datetimeFigureOut">
               <a:rPr lang="ru-RU" smtClean="0"/>
-              <a:t>10.05.2024</a:t>
+              <a:t>15.05.2024</a:t>
             </a:fld>
             <a:endParaRPr lang="ru-RU"/>
           </a:p>
@@ -2671,7 +2683,7 @@
           <a:p>
             <a:fld id="{C4398B16-2979-4210-8032-D30A6CFBC287}" type="datetimeFigureOut">
               <a:rPr lang="ru-RU" smtClean="0"/>
-              <a:t>10.05.2024</a:t>
+              <a:t>15.05.2024</a:t>
             </a:fld>
             <a:endParaRPr lang="ru-RU"/>
           </a:p>
@@ -2912,7 +2924,7 @@
           <a:p>
             <a:fld id="{C4398B16-2979-4210-8032-D30A6CFBC287}" type="datetimeFigureOut">
               <a:rPr lang="ru-RU" smtClean="0"/>
-              <a:t>10.05.2024</a:t>
+              <a:t>15.05.2024</a:t>
             </a:fld>
             <a:endParaRPr lang="ru-RU"/>
           </a:p>
@@ -3345,7 +3357,12 @@
             <p:ph type="ctrTitle"/>
           </p:nvPr>
         </p:nvSpPr>
-        <p:spPr/>
+        <p:spPr>
+          <a:xfrm>
+            <a:off x="1524000" y="1519928"/>
+            <a:ext cx="9144000" cy="2387600"/>
+          </a:xfrm>
+        </p:spPr>
         <p:txBody>
           <a:bodyPr>
             <a:normAutofit fontScale="90000"/>
@@ -3434,6 +3451,757 @@
     <p:extLst>
       <p:ext uri="{BB962C8B-B14F-4D97-AF65-F5344CB8AC3E}">
         <p14:creationId xmlns:p14="http://schemas.microsoft.com/office/powerpoint/2010/main" val="2073540274"/>
+      </p:ext>
+    </p:extLst>
+  </p:cSld>
+  <p:clrMapOvr>
+    <a:masterClrMapping/>
+  </p:clrMapOvr>
+</p:sld>
+</file>
+
+<file path=ppt/slides/slide10.xml><?xml version="1.0" encoding="utf-8"?>
+<p:sld xmlns:a="http://schemas.openxmlformats.org/drawingml/2006/main" xmlns:r="http://schemas.openxmlformats.org/officeDocument/2006/relationships" xmlns:p="http://schemas.openxmlformats.org/presentationml/2006/main">
+  <p:cSld>
+    <p:spTree>
+      <p:nvGrpSpPr>
+        <p:cNvPr id="1" name=""/>
+        <p:cNvGrpSpPr/>
+        <p:nvPr/>
+      </p:nvGrpSpPr>
+      <p:grpSpPr>
+        <a:xfrm>
+          <a:off x="0" y="0"/>
+          <a:ext cx="0" cy="0"/>
+          <a:chOff x="0" y="0"/>
+          <a:chExt cx="0" cy="0"/>
+        </a:xfrm>
+      </p:grpSpPr>
+      <p:sp>
+        <p:nvSpPr>
+          <p:cNvPr id="2" name="Заголовок 1">
+            <a:extLst>
+              <a:ext uri="{FF2B5EF4-FFF2-40B4-BE49-F238E27FC236}">
+                <a16:creationId xmlns:a16="http://schemas.microsoft.com/office/drawing/2014/main" id="{F5326DD7-BEAE-42C0-B33E-8BEEFE50C389}"/>
+              </a:ext>
+            </a:extLst>
+          </p:cNvPr>
+          <p:cNvSpPr>
+            <a:spLocks noGrp="1"/>
+          </p:cNvSpPr>
+          <p:nvPr>
+            <p:ph type="title"/>
+          </p:nvPr>
+        </p:nvSpPr>
+        <p:spPr/>
+        <p:txBody>
+          <a:bodyPr/>
+          <a:lstStyle/>
+          <a:p>
+            <a:r>
+              <a:rPr lang="ru-RU" dirty="0"/>
+              <a:t>Реализация</a:t>
+            </a:r>
+          </a:p>
+        </p:txBody>
+      </p:sp>
+      <p:pic>
+        <p:nvPicPr>
+          <p:cNvPr id="8" name="Рисунок 7">
+            <a:extLst>
+              <a:ext uri="{FF2B5EF4-FFF2-40B4-BE49-F238E27FC236}">
+                <a16:creationId xmlns:a16="http://schemas.microsoft.com/office/drawing/2014/main" id="{17E23799-1DFC-4AA6-BE5C-EA7639D9621B}"/>
+              </a:ext>
+            </a:extLst>
+          </p:cNvPr>
+          <p:cNvPicPr>
+            <a:picLocks noChangeAspect="1"/>
+          </p:cNvPicPr>
+          <p:nvPr/>
+        </p:nvPicPr>
+        <p:blipFill>
+          <a:blip r:embed="rId2"/>
+          <a:stretch>
+            <a:fillRect/>
+          </a:stretch>
+        </p:blipFill>
+        <p:spPr>
+          <a:xfrm>
+            <a:off x="326005" y="1527085"/>
+            <a:ext cx="5592474" cy="4965790"/>
+          </a:xfrm>
+          <a:prstGeom prst="rect">
+            <a:avLst/>
+          </a:prstGeom>
+        </p:spPr>
+      </p:pic>
+      <p:pic>
+        <p:nvPicPr>
+          <p:cNvPr id="13" name="Рисунок 12">
+            <a:extLst>
+              <a:ext uri="{FF2B5EF4-FFF2-40B4-BE49-F238E27FC236}">
+                <a16:creationId xmlns:a16="http://schemas.microsoft.com/office/drawing/2014/main" id="{41AA823D-13E7-45CD-9879-6EF1B68A7D20}"/>
+              </a:ext>
+            </a:extLst>
+          </p:cNvPr>
+          <p:cNvPicPr>
+            <a:picLocks noChangeAspect="1"/>
+          </p:cNvPicPr>
+          <p:nvPr/>
+        </p:nvPicPr>
+        <p:blipFill>
+          <a:blip r:embed="rId3"/>
+          <a:stretch>
+            <a:fillRect/>
+          </a:stretch>
+        </p:blipFill>
+        <p:spPr>
+          <a:xfrm>
+            <a:off x="6273523" y="1527085"/>
+            <a:ext cx="5485350" cy="4965790"/>
+          </a:xfrm>
+          <a:prstGeom prst="rect">
+            <a:avLst/>
+          </a:prstGeom>
+        </p:spPr>
+      </p:pic>
+    </p:spTree>
+    <p:extLst>
+      <p:ext uri="{BB962C8B-B14F-4D97-AF65-F5344CB8AC3E}">
+        <p14:creationId xmlns:p14="http://schemas.microsoft.com/office/powerpoint/2010/main" val="3371105817"/>
+      </p:ext>
+    </p:extLst>
+  </p:cSld>
+  <p:clrMapOvr>
+    <a:masterClrMapping/>
+  </p:clrMapOvr>
+</p:sld>
+</file>
+
+<file path=ppt/slides/slide11.xml><?xml version="1.0" encoding="utf-8"?>
+<p:sld xmlns:a="http://schemas.openxmlformats.org/drawingml/2006/main" xmlns:r="http://schemas.openxmlformats.org/officeDocument/2006/relationships" xmlns:p="http://schemas.openxmlformats.org/presentationml/2006/main">
+  <p:cSld>
+    <p:spTree>
+      <p:nvGrpSpPr>
+        <p:cNvPr id="1" name=""/>
+        <p:cNvGrpSpPr/>
+        <p:nvPr/>
+      </p:nvGrpSpPr>
+      <p:grpSpPr>
+        <a:xfrm>
+          <a:off x="0" y="0"/>
+          <a:ext cx="0" cy="0"/>
+          <a:chOff x="0" y="0"/>
+          <a:chExt cx="0" cy="0"/>
+        </a:xfrm>
+      </p:grpSpPr>
+      <p:sp>
+        <p:nvSpPr>
+          <p:cNvPr id="2" name="Заголовок 1">
+            <a:extLst>
+              <a:ext uri="{FF2B5EF4-FFF2-40B4-BE49-F238E27FC236}">
+                <a16:creationId xmlns:a16="http://schemas.microsoft.com/office/drawing/2014/main" id="{F5326DD7-BEAE-42C0-B33E-8BEEFE50C389}"/>
+              </a:ext>
+            </a:extLst>
+          </p:cNvPr>
+          <p:cNvSpPr>
+            <a:spLocks noGrp="1"/>
+          </p:cNvSpPr>
+          <p:nvPr>
+            <p:ph type="title"/>
+          </p:nvPr>
+        </p:nvSpPr>
+        <p:spPr/>
+        <p:txBody>
+          <a:bodyPr/>
+          <a:lstStyle/>
+          <a:p>
+            <a:r>
+              <a:rPr lang="ru-RU" dirty="0"/>
+              <a:t>Реализация</a:t>
+            </a:r>
+          </a:p>
+        </p:txBody>
+      </p:sp>
+      <p:pic>
+        <p:nvPicPr>
+          <p:cNvPr id="4" name="Рисунок 3">
+            <a:extLst>
+              <a:ext uri="{FF2B5EF4-FFF2-40B4-BE49-F238E27FC236}">
+                <a16:creationId xmlns:a16="http://schemas.microsoft.com/office/drawing/2014/main" id="{0205E3C2-FF9A-4DBE-AAF7-4049F92C084F}"/>
+              </a:ext>
+            </a:extLst>
+          </p:cNvPr>
+          <p:cNvPicPr>
+            <a:picLocks noChangeAspect="1"/>
+          </p:cNvPicPr>
+          <p:nvPr/>
+        </p:nvPicPr>
+        <p:blipFill>
+          <a:blip r:embed="rId2"/>
+          <a:stretch>
+            <a:fillRect/>
+          </a:stretch>
+        </p:blipFill>
+        <p:spPr>
+          <a:xfrm>
+            <a:off x="326005" y="1501302"/>
+            <a:ext cx="5592474" cy="4991573"/>
+          </a:xfrm>
+          <a:prstGeom prst="rect">
+            <a:avLst/>
+          </a:prstGeom>
+        </p:spPr>
+      </p:pic>
+      <p:pic>
+        <p:nvPicPr>
+          <p:cNvPr id="6" name="Рисунок 5">
+            <a:extLst>
+              <a:ext uri="{FF2B5EF4-FFF2-40B4-BE49-F238E27FC236}">
+                <a16:creationId xmlns:a16="http://schemas.microsoft.com/office/drawing/2014/main" id="{9C83B321-2EB1-42E5-AAA5-110BB333B9B5}"/>
+              </a:ext>
+            </a:extLst>
+          </p:cNvPr>
+          <p:cNvPicPr>
+            <a:picLocks noChangeAspect="1"/>
+          </p:cNvPicPr>
+          <p:nvPr/>
+        </p:nvPicPr>
+        <p:blipFill>
+          <a:blip r:embed="rId3"/>
+          <a:stretch>
+            <a:fillRect/>
+          </a:stretch>
+        </p:blipFill>
+        <p:spPr>
+          <a:xfrm>
+            <a:off x="6273522" y="1501302"/>
+            <a:ext cx="5609087" cy="4991572"/>
+          </a:xfrm>
+          <a:prstGeom prst="rect">
+            <a:avLst/>
+          </a:prstGeom>
+        </p:spPr>
+      </p:pic>
+    </p:spTree>
+    <p:extLst>
+      <p:ext uri="{BB962C8B-B14F-4D97-AF65-F5344CB8AC3E}">
+        <p14:creationId xmlns:p14="http://schemas.microsoft.com/office/powerpoint/2010/main" val="4216558374"/>
+      </p:ext>
+    </p:extLst>
+  </p:cSld>
+  <p:clrMapOvr>
+    <a:masterClrMapping/>
+  </p:clrMapOvr>
+</p:sld>
+</file>
+
+<file path=ppt/slides/slide12.xml><?xml version="1.0" encoding="utf-8"?>
+<p:sld xmlns:a="http://schemas.openxmlformats.org/drawingml/2006/main" xmlns:r="http://schemas.openxmlformats.org/officeDocument/2006/relationships" xmlns:p="http://schemas.openxmlformats.org/presentationml/2006/main">
+  <p:cSld>
+    <p:spTree>
+      <p:nvGrpSpPr>
+        <p:cNvPr id="1" name=""/>
+        <p:cNvGrpSpPr/>
+        <p:nvPr/>
+      </p:nvGrpSpPr>
+      <p:grpSpPr>
+        <a:xfrm>
+          <a:off x="0" y="0"/>
+          <a:ext cx="0" cy="0"/>
+          <a:chOff x="0" y="0"/>
+          <a:chExt cx="0" cy="0"/>
+        </a:xfrm>
+      </p:grpSpPr>
+      <p:sp>
+        <p:nvSpPr>
+          <p:cNvPr id="2" name="Заголовок 1">
+            <a:extLst>
+              <a:ext uri="{FF2B5EF4-FFF2-40B4-BE49-F238E27FC236}">
+                <a16:creationId xmlns:a16="http://schemas.microsoft.com/office/drawing/2014/main" id="{F5326DD7-BEAE-42C0-B33E-8BEEFE50C389}"/>
+              </a:ext>
+            </a:extLst>
+          </p:cNvPr>
+          <p:cNvSpPr>
+            <a:spLocks noGrp="1"/>
+          </p:cNvSpPr>
+          <p:nvPr>
+            <p:ph type="title"/>
+          </p:nvPr>
+        </p:nvSpPr>
+        <p:spPr/>
+        <p:txBody>
+          <a:bodyPr/>
+          <a:lstStyle/>
+          <a:p>
+            <a:r>
+              <a:rPr lang="ru-RU" dirty="0"/>
+              <a:t>Реализация</a:t>
+            </a:r>
+          </a:p>
+        </p:txBody>
+      </p:sp>
+      <p:pic>
+        <p:nvPicPr>
+          <p:cNvPr id="5" name="Рисунок 4">
+            <a:extLst>
+              <a:ext uri="{FF2B5EF4-FFF2-40B4-BE49-F238E27FC236}">
+                <a16:creationId xmlns:a16="http://schemas.microsoft.com/office/drawing/2014/main" id="{64F71CD1-BD9A-4F56-AE51-B3969F0B8E39}"/>
+              </a:ext>
+            </a:extLst>
+          </p:cNvPr>
+          <p:cNvPicPr>
+            <a:picLocks noChangeAspect="1"/>
+          </p:cNvPicPr>
+          <p:nvPr/>
+        </p:nvPicPr>
+        <p:blipFill>
+          <a:blip r:embed="rId2"/>
+          <a:stretch>
+            <a:fillRect/>
+          </a:stretch>
+        </p:blipFill>
+        <p:spPr>
+          <a:xfrm>
+            <a:off x="349511" y="1543011"/>
+            <a:ext cx="5568968" cy="4991572"/>
+          </a:xfrm>
+          <a:prstGeom prst="rect">
+            <a:avLst/>
+          </a:prstGeom>
+        </p:spPr>
+      </p:pic>
+      <p:pic>
+        <p:nvPicPr>
+          <p:cNvPr id="12" name="Рисунок 11">
+            <a:extLst>
+              <a:ext uri="{FF2B5EF4-FFF2-40B4-BE49-F238E27FC236}">
+                <a16:creationId xmlns:a16="http://schemas.microsoft.com/office/drawing/2014/main" id="{FD300778-E4F7-4A77-932C-8443C5FAD7B9}"/>
+              </a:ext>
+            </a:extLst>
+          </p:cNvPr>
+          <p:cNvPicPr>
+            <a:picLocks noChangeAspect="1"/>
+          </p:cNvPicPr>
+          <p:nvPr/>
+        </p:nvPicPr>
+        <p:blipFill>
+          <a:blip r:embed="rId3"/>
+          <a:stretch>
+            <a:fillRect/>
+          </a:stretch>
+        </p:blipFill>
+        <p:spPr>
+          <a:xfrm>
+            <a:off x="6273523" y="1543011"/>
+            <a:ext cx="5621008" cy="4991572"/>
+          </a:xfrm>
+          <a:prstGeom prst="rect">
+            <a:avLst/>
+          </a:prstGeom>
+        </p:spPr>
+      </p:pic>
+    </p:spTree>
+    <p:extLst>
+      <p:ext uri="{BB962C8B-B14F-4D97-AF65-F5344CB8AC3E}">
+        <p14:creationId xmlns:p14="http://schemas.microsoft.com/office/powerpoint/2010/main" val="3530268356"/>
+      </p:ext>
+    </p:extLst>
+  </p:cSld>
+  <p:clrMapOvr>
+    <a:masterClrMapping/>
+  </p:clrMapOvr>
+</p:sld>
+</file>
+
+<file path=ppt/slides/slide13.xml><?xml version="1.0" encoding="utf-8"?>
+<p:sld xmlns:a="http://schemas.openxmlformats.org/drawingml/2006/main" xmlns:r="http://schemas.openxmlformats.org/officeDocument/2006/relationships" xmlns:p="http://schemas.openxmlformats.org/presentationml/2006/main">
+  <p:cSld>
+    <p:spTree>
+      <p:nvGrpSpPr>
+        <p:cNvPr id="1" name=""/>
+        <p:cNvGrpSpPr/>
+        <p:nvPr/>
+      </p:nvGrpSpPr>
+      <p:grpSpPr>
+        <a:xfrm>
+          <a:off x="0" y="0"/>
+          <a:ext cx="0" cy="0"/>
+          <a:chOff x="0" y="0"/>
+          <a:chExt cx="0" cy="0"/>
+        </a:xfrm>
+      </p:grpSpPr>
+      <p:sp>
+        <p:nvSpPr>
+          <p:cNvPr id="2" name="Заголовок 1">
+            <a:extLst>
+              <a:ext uri="{FF2B5EF4-FFF2-40B4-BE49-F238E27FC236}">
+                <a16:creationId xmlns:a16="http://schemas.microsoft.com/office/drawing/2014/main" id="{F5326DD7-BEAE-42C0-B33E-8BEEFE50C389}"/>
+              </a:ext>
+            </a:extLst>
+          </p:cNvPr>
+          <p:cNvSpPr>
+            <a:spLocks noGrp="1"/>
+          </p:cNvSpPr>
+          <p:nvPr>
+            <p:ph type="title"/>
+          </p:nvPr>
+        </p:nvSpPr>
+        <p:spPr/>
+        <p:txBody>
+          <a:bodyPr/>
+          <a:lstStyle/>
+          <a:p>
+            <a:r>
+              <a:rPr lang="ru-RU" dirty="0"/>
+              <a:t>Реализация</a:t>
+            </a:r>
+          </a:p>
+        </p:txBody>
+      </p:sp>
+      <p:pic>
+        <p:nvPicPr>
+          <p:cNvPr id="4" name="Рисунок 3">
+            <a:extLst>
+              <a:ext uri="{FF2B5EF4-FFF2-40B4-BE49-F238E27FC236}">
+                <a16:creationId xmlns:a16="http://schemas.microsoft.com/office/drawing/2014/main" id="{FB7CF844-1BFD-4B45-907E-9EA45884A369}"/>
+              </a:ext>
+            </a:extLst>
+          </p:cNvPr>
+          <p:cNvPicPr>
+            <a:picLocks noChangeAspect="1"/>
+          </p:cNvPicPr>
+          <p:nvPr/>
+        </p:nvPicPr>
+        <p:blipFill>
+          <a:blip r:embed="rId2"/>
+          <a:stretch>
+            <a:fillRect/>
+          </a:stretch>
+        </p:blipFill>
+        <p:spPr>
+          <a:xfrm>
+            <a:off x="344767" y="1530168"/>
+            <a:ext cx="5573711" cy="4962707"/>
+          </a:xfrm>
+          <a:prstGeom prst="rect">
+            <a:avLst/>
+          </a:prstGeom>
+        </p:spPr>
+      </p:pic>
+      <p:pic>
+        <p:nvPicPr>
+          <p:cNvPr id="7" name="Рисунок 6">
+            <a:extLst>
+              <a:ext uri="{FF2B5EF4-FFF2-40B4-BE49-F238E27FC236}">
+                <a16:creationId xmlns:a16="http://schemas.microsoft.com/office/drawing/2014/main" id="{D371B513-6CF6-445E-9D0C-1C0B8E7D440B}"/>
+              </a:ext>
+            </a:extLst>
+          </p:cNvPr>
+          <p:cNvPicPr>
+            <a:picLocks noChangeAspect="1"/>
+          </p:cNvPicPr>
+          <p:nvPr/>
+        </p:nvPicPr>
+        <p:blipFill>
+          <a:blip r:embed="rId3"/>
+          <a:stretch>
+            <a:fillRect/>
+          </a:stretch>
+        </p:blipFill>
+        <p:spPr>
+          <a:xfrm>
+            <a:off x="6273524" y="1530167"/>
+            <a:ext cx="5580911" cy="4962707"/>
+          </a:xfrm>
+          <a:prstGeom prst="rect">
+            <a:avLst/>
+          </a:prstGeom>
+        </p:spPr>
+      </p:pic>
+    </p:spTree>
+    <p:extLst>
+      <p:ext uri="{BB962C8B-B14F-4D97-AF65-F5344CB8AC3E}">
+        <p14:creationId xmlns:p14="http://schemas.microsoft.com/office/powerpoint/2010/main" val="960038749"/>
+      </p:ext>
+    </p:extLst>
+  </p:cSld>
+  <p:clrMapOvr>
+    <a:masterClrMapping/>
+  </p:clrMapOvr>
+</p:sld>
+</file>
+
+<file path=ppt/slides/slide14.xml><?xml version="1.0" encoding="utf-8"?>
+<p:sld xmlns:a="http://schemas.openxmlformats.org/drawingml/2006/main" xmlns:r="http://schemas.openxmlformats.org/officeDocument/2006/relationships" xmlns:p="http://schemas.openxmlformats.org/presentationml/2006/main">
+  <p:cSld>
+    <p:spTree>
+      <p:nvGrpSpPr>
+        <p:cNvPr id="1" name=""/>
+        <p:cNvGrpSpPr/>
+        <p:nvPr/>
+      </p:nvGrpSpPr>
+      <p:grpSpPr>
+        <a:xfrm>
+          <a:off x="0" y="0"/>
+          <a:ext cx="0" cy="0"/>
+          <a:chOff x="0" y="0"/>
+          <a:chExt cx="0" cy="0"/>
+        </a:xfrm>
+      </p:grpSpPr>
+      <p:sp>
+        <p:nvSpPr>
+          <p:cNvPr id="2" name="Заголовок 1">
+            <a:extLst>
+              <a:ext uri="{FF2B5EF4-FFF2-40B4-BE49-F238E27FC236}">
+                <a16:creationId xmlns:a16="http://schemas.microsoft.com/office/drawing/2014/main" id="{8F1AC807-42BA-4180-A1A0-981EEC89EDA5}"/>
+              </a:ext>
+            </a:extLst>
+          </p:cNvPr>
+          <p:cNvSpPr>
+            <a:spLocks noGrp="1"/>
+          </p:cNvSpPr>
+          <p:nvPr>
+            <p:ph type="title"/>
+          </p:nvPr>
+        </p:nvSpPr>
+        <p:spPr/>
+        <p:txBody>
+          <a:bodyPr/>
+          <a:lstStyle/>
+          <a:p>
+            <a:r>
+              <a:rPr lang="ru-RU" dirty="0"/>
+              <a:t>Реализация</a:t>
+            </a:r>
+          </a:p>
+        </p:txBody>
+      </p:sp>
+      <p:pic>
+        <p:nvPicPr>
+          <p:cNvPr id="5" name="Рисунок 4">
+            <a:extLst>
+              <a:ext uri="{FF2B5EF4-FFF2-40B4-BE49-F238E27FC236}">
+                <a16:creationId xmlns:a16="http://schemas.microsoft.com/office/drawing/2014/main" id="{891295FE-B766-46D3-8E40-2EE943C6F2BD}"/>
+              </a:ext>
+            </a:extLst>
+          </p:cNvPr>
+          <p:cNvPicPr>
+            <a:picLocks noChangeAspect="1"/>
+          </p:cNvPicPr>
+          <p:nvPr/>
+        </p:nvPicPr>
+        <p:blipFill>
+          <a:blip r:embed="rId2"/>
+          <a:stretch>
+            <a:fillRect/>
+          </a:stretch>
+        </p:blipFill>
+        <p:spPr>
+          <a:xfrm>
+            <a:off x="3247484" y="1530583"/>
+            <a:ext cx="5697032" cy="5057072"/>
+          </a:xfrm>
+          <a:prstGeom prst="rect">
+            <a:avLst/>
+          </a:prstGeom>
+        </p:spPr>
+      </p:pic>
+    </p:spTree>
+    <p:extLst>
+      <p:ext uri="{BB962C8B-B14F-4D97-AF65-F5344CB8AC3E}">
+        <p14:creationId xmlns:p14="http://schemas.microsoft.com/office/powerpoint/2010/main" val="1671209452"/>
+      </p:ext>
+    </p:extLst>
+  </p:cSld>
+  <p:clrMapOvr>
+    <a:masterClrMapping/>
+  </p:clrMapOvr>
+</p:sld>
+</file>
+
+<file path=ppt/slides/slide15.xml><?xml version="1.0" encoding="utf-8"?>
+<p:sld xmlns:a="http://schemas.openxmlformats.org/drawingml/2006/main" xmlns:r="http://schemas.openxmlformats.org/officeDocument/2006/relationships" xmlns:p="http://schemas.openxmlformats.org/presentationml/2006/main">
+  <p:cSld>
+    <p:spTree>
+      <p:nvGrpSpPr>
+        <p:cNvPr id="1" name=""/>
+        <p:cNvGrpSpPr/>
+        <p:nvPr/>
+      </p:nvGrpSpPr>
+      <p:grpSpPr>
+        <a:xfrm>
+          <a:off x="0" y="0"/>
+          <a:ext cx="0" cy="0"/>
+          <a:chOff x="0" y="0"/>
+          <a:chExt cx="0" cy="0"/>
+        </a:xfrm>
+      </p:grpSpPr>
+      <p:sp>
+        <p:nvSpPr>
+          <p:cNvPr id="2" name="Заголовок 1">
+            <a:extLst>
+              <a:ext uri="{FF2B5EF4-FFF2-40B4-BE49-F238E27FC236}">
+                <a16:creationId xmlns:a16="http://schemas.microsoft.com/office/drawing/2014/main" id="{8E636C34-9CE8-442C-B15B-6869C25D88EF}"/>
+              </a:ext>
+            </a:extLst>
+          </p:cNvPr>
+          <p:cNvSpPr>
+            <a:spLocks noGrp="1"/>
+          </p:cNvSpPr>
+          <p:nvPr>
+            <p:ph type="title"/>
+          </p:nvPr>
+        </p:nvSpPr>
+        <p:spPr/>
+        <p:txBody>
+          <a:bodyPr/>
+          <a:lstStyle/>
+          <a:p>
+            <a:r>
+              <a:rPr lang="ru-RU" dirty="0"/>
+              <a:t>Итоги</a:t>
+            </a:r>
+          </a:p>
+        </p:txBody>
+      </p:sp>
+      <p:sp>
+        <p:nvSpPr>
+          <p:cNvPr id="3" name="Объект 2">
+            <a:extLst>
+              <a:ext uri="{FF2B5EF4-FFF2-40B4-BE49-F238E27FC236}">
+                <a16:creationId xmlns:a16="http://schemas.microsoft.com/office/drawing/2014/main" id="{5643F895-1AC5-44D7-938F-4E3C9D06BE4F}"/>
+              </a:ext>
+            </a:extLst>
+          </p:cNvPr>
+          <p:cNvSpPr>
+            <a:spLocks noGrp="1"/>
+          </p:cNvSpPr>
+          <p:nvPr>
+            <p:ph idx="1"/>
+          </p:nvPr>
+        </p:nvSpPr>
+        <p:spPr/>
+        <p:txBody>
+          <a:bodyPr/>
+          <a:lstStyle/>
+          <a:p>
+            <a:r>
+              <a:rPr lang="ru-RU" dirty="0"/>
+              <a:t>Разработан симулятор отражения сигнала</a:t>
+            </a:r>
+          </a:p>
+          <a:p>
+            <a:r>
+              <a:rPr lang="ru-RU" dirty="0"/>
+              <a:t>Реализован вывод графика результата моделирования</a:t>
+            </a:r>
+          </a:p>
+          <a:p>
+            <a:r>
+              <a:rPr lang="ru-RU" dirty="0"/>
+              <a:t>Разработан графический интерфейс для визуализации моделирования</a:t>
+            </a:r>
+          </a:p>
+          <a:p>
+            <a:pPr marL="0" indent="0">
+              <a:buNone/>
+            </a:pPr>
+            <a:endParaRPr lang="ru-RU" dirty="0"/>
+          </a:p>
+          <a:p>
+            <a:r>
+              <a:rPr lang="ru-RU" dirty="0"/>
+              <a:t>Ссылка на репозиторий </a:t>
+            </a:r>
+            <a:r>
+              <a:rPr lang="en-US" dirty="0"/>
+              <a:t>GitHub:</a:t>
+            </a:r>
+          </a:p>
+          <a:p>
+            <a:pPr marL="0" indent="0">
+              <a:buNone/>
+            </a:pPr>
+            <a:r>
+              <a:rPr lang="en-US" i="1" dirty="0"/>
+              <a:t>https://github.com/Lynech/the-reflected-signal-simulator</a:t>
+            </a:r>
+            <a:endParaRPr lang="ru-RU" i="1" dirty="0"/>
+          </a:p>
+        </p:txBody>
+      </p:sp>
+    </p:spTree>
+    <p:extLst>
+      <p:ext uri="{BB962C8B-B14F-4D97-AF65-F5344CB8AC3E}">
+        <p14:creationId xmlns:p14="http://schemas.microsoft.com/office/powerpoint/2010/main" val="3049608527"/>
+      </p:ext>
+    </p:extLst>
+  </p:cSld>
+  <p:clrMapOvr>
+    <a:masterClrMapping/>
+  </p:clrMapOvr>
+</p:sld>
+</file>
+
+<file path=ppt/slides/slide16.xml><?xml version="1.0" encoding="utf-8"?>
+<p:sld xmlns:a="http://schemas.openxmlformats.org/drawingml/2006/main" xmlns:r="http://schemas.openxmlformats.org/officeDocument/2006/relationships" xmlns:p="http://schemas.openxmlformats.org/presentationml/2006/main">
+  <p:cSld>
+    <p:spTree>
+      <p:nvGrpSpPr>
+        <p:cNvPr id="1" name=""/>
+        <p:cNvGrpSpPr/>
+        <p:nvPr/>
+      </p:nvGrpSpPr>
+      <p:grpSpPr>
+        <a:xfrm>
+          <a:off x="0" y="0"/>
+          <a:ext cx="0" cy="0"/>
+          <a:chOff x="0" y="0"/>
+          <a:chExt cx="0" cy="0"/>
+        </a:xfrm>
+      </p:grpSpPr>
+      <p:sp>
+        <p:nvSpPr>
+          <p:cNvPr id="2" name="Заголовок 1">
+            <a:extLst>
+              <a:ext uri="{FF2B5EF4-FFF2-40B4-BE49-F238E27FC236}">
+                <a16:creationId xmlns:a16="http://schemas.microsoft.com/office/drawing/2014/main" id="{42BE5D5C-18AB-41D6-AD86-2D25DBB2EABB}"/>
+              </a:ext>
+            </a:extLst>
+          </p:cNvPr>
+          <p:cNvSpPr>
+            <a:spLocks noGrp="1"/>
+          </p:cNvSpPr>
+          <p:nvPr>
+            <p:ph type="title"/>
+          </p:nvPr>
+        </p:nvSpPr>
+        <p:spPr>
+          <a:xfrm>
+            <a:off x="3184000" y="2766218"/>
+            <a:ext cx="5823999" cy="1325563"/>
+          </a:xfrm>
+        </p:spPr>
+        <p:txBody>
+          <a:bodyPr>
+            <a:normAutofit/>
+          </a:bodyPr>
+          <a:lstStyle/>
+          <a:p>
+            <a:r>
+              <a:rPr lang="ru-RU" dirty="0">
+                <a:latin typeface="Impact" panose="020B0806030902050204" pitchFamily="34" charset="0"/>
+              </a:rPr>
+              <a:t>Спасибо за внимание!</a:t>
+            </a:r>
+          </a:p>
+        </p:txBody>
+      </p:sp>
+    </p:spTree>
+    <p:extLst>
+      <p:ext uri="{BB962C8B-B14F-4D97-AF65-F5344CB8AC3E}">
+        <p14:creationId xmlns:p14="http://schemas.microsoft.com/office/powerpoint/2010/main" val="3211944631"/>
       </p:ext>
     </p:extLst>
   </p:cSld>
@@ -3511,6 +4279,12 @@
           <a:p>
             <a:r>
               <a:rPr lang="ru-RU" dirty="0"/>
+              <a:t>Команда</a:t>
+            </a:r>
+          </a:p>
+          <a:p>
+            <a:r>
+              <a:rPr lang="ru-RU" dirty="0"/>
               <a:t>Цель </a:t>
             </a:r>
           </a:p>
@@ -3518,6 +4292,12 @@
             <a:r>
               <a:rPr lang="ru-RU" dirty="0"/>
               <a:t>Задачи</a:t>
+            </a:r>
+          </a:p>
+          <a:p>
+            <a:r>
+              <a:rPr lang="ru-RU" dirty="0"/>
+              <a:t>Теория</a:t>
             </a:r>
           </a:p>
           <a:p>
@@ -3581,7 +4361,7 @@
           <p:cNvPr id="2" name="Заголовок 1">
             <a:extLst>
               <a:ext uri="{FF2B5EF4-FFF2-40B4-BE49-F238E27FC236}">
-                <a16:creationId xmlns:a16="http://schemas.microsoft.com/office/drawing/2014/main" id="{B569C7CB-7BBC-43F9-9009-32BAC3517CA9}"/>
+                <a16:creationId xmlns:a16="http://schemas.microsoft.com/office/drawing/2014/main" id="{D0D88101-60A8-44FC-AEAA-8774F5F5CFF6}"/>
               </a:ext>
             </a:extLst>
           </p:cNvPr>
@@ -3599,7 +4379,7 @@
           <a:p>
             <a:r>
               <a:rPr lang="ru-RU" dirty="0"/>
-              <a:t>Цель</a:t>
+              <a:t>Команда</a:t>
             </a:r>
           </a:p>
         </p:txBody>
@@ -3609,7 +4389,7 @@
           <p:cNvPr id="3" name="Объект 2">
             <a:extLst>
               <a:ext uri="{FF2B5EF4-FFF2-40B4-BE49-F238E27FC236}">
-                <a16:creationId xmlns:a16="http://schemas.microsoft.com/office/drawing/2014/main" id="{BE59C36D-F112-461A-B594-8CEB408B9965}"/>
+                <a16:creationId xmlns:a16="http://schemas.microsoft.com/office/drawing/2014/main" id="{A945FAFF-6FE0-40CB-9493-D476F4D10E2D}"/>
               </a:ext>
             </a:extLst>
           </p:cNvPr>
@@ -3627,7 +4407,47 @@
           <a:p>
             <a:r>
               <a:rPr lang="ru-RU" dirty="0"/>
-              <a:t>Реализовать мат. модель для модуля имитатора отраженного сигнала</a:t>
+              <a:t>Рябчиков Михаил</a:t>
+            </a:r>
+            <a:r>
+              <a:rPr lang="en-US" dirty="0"/>
+              <a:t>: </a:t>
+            </a:r>
+            <a:r>
+              <a:rPr lang="ru-RU" dirty="0"/>
+              <a:t>математическая модель</a:t>
+            </a:r>
+          </a:p>
+          <a:p>
+            <a:r>
+              <a:rPr lang="ru-RU" dirty="0" err="1"/>
+              <a:t>Фазлыев</a:t>
+            </a:r>
+            <a:r>
+              <a:rPr lang="ru-RU" dirty="0"/>
+              <a:t> Нияз</a:t>
+            </a:r>
+            <a:r>
+              <a:rPr lang="en-US" dirty="0"/>
+              <a:t>: </a:t>
+            </a:r>
+            <a:r>
+              <a:rPr lang="ru-RU" dirty="0"/>
+              <a:t>бэкенд, математическая модель</a:t>
+            </a:r>
+          </a:p>
+          <a:p>
+            <a:r>
+              <a:rPr lang="ru-RU" dirty="0"/>
+              <a:t>Чижикова Ярослава</a:t>
+            </a:r>
+            <a:r>
+              <a:rPr lang="en-US" dirty="0"/>
+              <a:t>: </a:t>
+            </a:r>
+            <a:r>
+              <a:rPr lang="ru-RU" dirty="0"/>
+              <a:t>графический интерфейс</a:t>
             </a:r>
           </a:p>
         </p:txBody>
@@ -3635,7 +4455,7 @@
     </p:spTree>
     <p:extLst>
       <p:ext uri="{BB962C8B-B14F-4D97-AF65-F5344CB8AC3E}">
-        <p14:creationId xmlns:p14="http://schemas.microsoft.com/office/powerpoint/2010/main" val="3214228645"/>
+        <p14:creationId xmlns:p14="http://schemas.microsoft.com/office/powerpoint/2010/main" val="1500430823"/>
       </p:ext>
     </p:extLst>
   </p:cSld>
@@ -3667,7 +4487,7 @@
           <p:cNvPr id="2" name="Заголовок 1">
             <a:extLst>
               <a:ext uri="{FF2B5EF4-FFF2-40B4-BE49-F238E27FC236}">
-                <a16:creationId xmlns:a16="http://schemas.microsoft.com/office/drawing/2014/main" id="{B01A06FA-D52E-4A9E-8B70-D0335CD48F82}"/>
+                <a16:creationId xmlns:a16="http://schemas.microsoft.com/office/drawing/2014/main" id="{B569C7CB-7BBC-43F9-9009-32BAC3517CA9}"/>
               </a:ext>
             </a:extLst>
           </p:cNvPr>
@@ -3685,7 +4505,7 @@
           <a:p>
             <a:r>
               <a:rPr lang="ru-RU" dirty="0"/>
-              <a:t>Задачи</a:t>
+              <a:t>Цель</a:t>
             </a:r>
           </a:p>
         </p:txBody>
@@ -3695,7 +4515,7 @@
           <p:cNvPr id="3" name="Объект 2">
             <a:extLst>
               <a:ext uri="{FF2B5EF4-FFF2-40B4-BE49-F238E27FC236}">
-                <a16:creationId xmlns:a16="http://schemas.microsoft.com/office/drawing/2014/main" id="{05C73DA4-5E70-4B3F-A442-722ED701EE88}"/>
+                <a16:creationId xmlns:a16="http://schemas.microsoft.com/office/drawing/2014/main" id="{BE59C36D-F112-461A-B594-8CEB408B9965}"/>
               </a:ext>
             </a:extLst>
           </p:cNvPr>
@@ -3711,82 +4531,17 @@
           <a:bodyPr/>
           <a:lstStyle/>
           <a:p>
-            <a:pPr marL="514350" indent="-514350">
-              <a:buAutoNum type="arabicPeriod"/>
-            </a:pPr>
             <a:r>
               <a:rPr lang="ru-RU" dirty="0"/>
-              <a:t>Ознакомление с теорией</a:t>
-            </a:r>
-          </a:p>
-          <a:p>
-            <a:pPr marL="514350" indent="-514350">
-              <a:buAutoNum type="arabicPeriod"/>
-            </a:pPr>
-            <a:r>
-              <a:rPr lang="ru-RU" dirty="0"/>
-              <a:t>Проектирование ПО</a:t>
-            </a:r>
-          </a:p>
-          <a:p>
-            <a:pPr marL="514350" indent="-514350">
-              <a:buAutoNum type="arabicPeriod"/>
-            </a:pPr>
-            <a:r>
-              <a:rPr lang="ru-RU" dirty="0"/>
-              <a:t>Разработка ПО</a:t>
-            </a:r>
-            <a:r>
-              <a:rPr lang="en-US" dirty="0"/>
-              <a:t>:</a:t>
-            </a:r>
-          </a:p>
-          <a:p>
-            <a:pPr marL="0" indent="0">
-              <a:buNone/>
-            </a:pPr>
-            <a:r>
-              <a:rPr lang="en-US" dirty="0"/>
-              <a:t>	3.1. </a:t>
-            </a:r>
-            <a:r>
-              <a:rPr lang="ru-RU" dirty="0"/>
-              <a:t>Математическая составляющая (сигнал)</a:t>
-            </a:r>
-          </a:p>
-          <a:p>
-            <a:pPr marL="0" indent="0">
-              <a:buNone/>
-            </a:pPr>
-            <a:r>
-              <a:rPr lang="ru-RU" dirty="0"/>
-              <a:t>	3.2. Бэкенд-составляющая (станция)</a:t>
-            </a:r>
-          </a:p>
-          <a:p>
-            <a:pPr marL="0" indent="0">
-              <a:buNone/>
-            </a:pPr>
-            <a:r>
-              <a:rPr lang="ru-RU" dirty="0"/>
-              <a:t>	3.3. Графическая составляющая (</a:t>
-            </a:r>
-            <a:r>
-              <a:rPr lang="en-US" dirty="0"/>
-              <a:t>UI</a:t>
-            </a:r>
-            <a:r>
-              <a:rPr lang="ru-RU" dirty="0"/>
-              <a:t>)</a:t>
-            </a:r>
-            <a:endParaRPr lang="en-US" dirty="0"/>
+              <a:t>Реализовать математическую модель для модуля имитатора отраженного сигнала</a:t>
+            </a:r>
           </a:p>
         </p:txBody>
       </p:sp>
     </p:spTree>
     <p:extLst>
       <p:ext uri="{BB962C8B-B14F-4D97-AF65-F5344CB8AC3E}">
-        <p14:creationId xmlns:p14="http://schemas.microsoft.com/office/powerpoint/2010/main" val="1934577821"/>
+        <p14:creationId xmlns:p14="http://schemas.microsoft.com/office/powerpoint/2010/main" val="3214228645"/>
       </p:ext>
     </p:extLst>
   </p:cSld>
@@ -3818,7 +4573,7 @@
           <p:cNvPr id="2" name="Заголовок 1">
             <a:extLst>
               <a:ext uri="{FF2B5EF4-FFF2-40B4-BE49-F238E27FC236}">
-                <a16:creationId xmlns:a16="http://schemas.microsoft.com/office/drawing/2014/main" id="{3AACD547-B531-4638-A208-0C4877723E36}"/>
+                <a16:creationId xmlns:a16="http://schemas.microsoft.com/office/drawing/2014/main" id="{B01A06FA-D52E-4A9E-8B70-D0335CD48F82}"/>
               </a:ext>
             </a:extLst>
           </p:cNvPr>
@@ -3836,7 +4591,7 @@
           <a:p>
             <a:r>
               <a:rPr lang="ru-RU" dirty="0"/>
-              <a:t>Стек</a:t>
+              <a:t>Задачи</a:t>
             </a:r>
           </a:p>
         </p:txBody>
@@ -3846,7 +4601,7 @@
           <p:cNvPr id="3" name="Объект 2">
             <a:extLst>
               <a:ext uri="{FF2B5EF4-FFF2-40B4-BE49-F238E27FC236}">
-                <a16:creationId xmlns:a16="http://schemas.microsoft.com/office/drawing/2014/main" id="{86DD1E0D-59B5-421C-A0D0-FB28B267C881}"/>
+                <a16:creationId xmlns:a16="http://schemas.microsoft.com/office/drawing/2014/main" id="{05C73DA4-5E70-4B3F-A442-722ED701EE88}"/>
               </a:ext>
             </a:extLst>
           </p:cNvPr>
@@ -3862,27 +4617,91 @@
           <a:bodyPr/>
           <a:lstStyle/>
           <a:p>
+            <a:pPr marL="514350" indent="-514350">
+              <a:buAutoNum type="arabicPeriod"/>
+            </a:pPr>
             <a:r>
               <a:rPr lang="ru-RU" dirty="0"/>
-              <a:t>С++</a:t>
-            </a:r>
-          </a:p>
-          <a:p>
-            <a:r>
-              <a:rPr lang="en-US" dirty="0" err="1"/>
-              <a:t>Qt6</a:t>
+              <a:t>Ознакомление с теорией</a:t>
+            </a:r>
+          </a:p>
+          <a:p>
+            <a:pPr marL="514350" indent="-514350">
+              <a:buAutoNum type="arabicPeriod"/>
+            </a:pPr>
+            <a:r>
+              <a:rPr lang="ru-RU" dirty="0"/>
+              <a:t>Проектирование ПО</a:t>
+            </a:r>
+          </a:p>
+          <a:p>
+            <a:pPr marL="514350" indent="-514350">
+              <a:buAutoNum type="arabicPeriod"/>
+            </a:pPr>
+            <a:r>
+              <a:rPr lang="ru-RU" dirty="0"/>
+              <a:t>Разработка ПО</a:t>
+            </a:r>
+            <a:r>
+              <a:rPr lang="en-US" dirty="0"/>
+              <a:t>:</a:t>
+            </a:r>
+          </a:p>
+          <a:p>
+            <a:pPr marL="0" indent="0">
+              <a:buNone/>
+            </a:pPr>
+            <a:r>
+              <a:rPr lang="en-US" dirty="0"/>
+              <a:t>	3.1. </a:t>
+            </a:r>
+            <a:r>
+              <a:rPr lang="ru-RU" dirty="0"/>
+              <a:t>Математическая составляющая (сигнал)</a:t>
+            </a:r>
+          </a:p>
+          <a:p>
+            <a:pPr marL="0" indent="0">
+              <a:buNone/>
+            </a:pPr>
+            <a:r>
+              <a:rPr lang="ru-RU" dirty="0"/>
+              <a:t>	3.2. Бэкенд-составляющая (станция)</a:t>
+            </a:r>
+          </a:p>
+          <a:p>
+            <a:pPr marL="0" indent="0">
+              <a:buNone/>
+            </a:pPr>
+            <a:r>
+              <a:rPr lang="ru-RU" dirty="0"/>
+              <a:t>	3.3. Графическая составляющая (</a:t>
+            </a:r>
+            <a:r>
+              <a:rPr lang="en-US" dirty="0"/>
+              <a:t>UI</a:t>
+            </a:r>
+            <a:r>
+              <a:rPr lang="ru-RU" dirty="0"/>
+              <a:t>)</a:t>
+            </a:r>
+          </a:p>
+          <a:p>
+            <a:pPr marL="0" indent="0">
+              <a:buNone/>
+            </a:pPr>
+            <a:r>
+              <a:rPr lang="ru-RU" dirty="0"/>
+              <a:t>4</a:t>
             </a:r>
             <a:endParaRPr lang="en-US" dirty="0"/>
-          </a:p>
-          <a:p>
-            <a:endParaRPr lang="ru-RU" dirty="0"/>
           </a:p>
         </p:txBody>
       </p:sp>
     </p:spTree>
     <p:extLst>
       <p:ext uri="{BB962C8B-B14F-4D97-AF65-F5344CB8AC3E}">
-        <p14:creationId xmlns:p14="http://schemas.microsoft.com/office/powerpoint/2010/main" val="3457317305"/>
+        <p14:creationId xmlns:p14="http://schemas.microsoft.com/office/powerpoint/2010/main" val="1934577821"/>
       </p:ext>
     </p:extLst>
   </p:cSld>
@@ -3914,7 +4733,7 @@
           <p:cNvPr id="2" name="Заголовок 1">
             <a:extLst>
               <a:ext uri="{FF2B5EF4-FFF2-40B4-BE49-F238E27FC236}">
-                <a16:creationId xmlns:a16="http://schemas.microsoft.com/office/drawing/2014/main" id="{E35EA7A0-7C73-4054-974E-59C20617BD13}"/>
+                <a16:creationId xmlns:a16="http://schemas.microsoft.com/office/drawing/2014/main" id="{44864B5A-CF0C-457B-A6C2-E868C79026F6}"/>
               </a:ext>
             </a:extLst>
           </p:cNvPr>
@@ -3932,63 +4751,411 @@
           <a:p>
             <a:r>
               <a:rPr lang="ru-RU" dirty="0"/>
-              <a:t>Реализация</a:t>
-            </a:r>
-          </a:p>
-        </p:txBody>
-      </p:sp>
-      <p:sp>
-        <p:nvSpPr>
-          <p:cNvPr id="3" name="Объект 2">
-            <a:extLst>
-              <a:ext uri="{FF2B5EF4-FFF2-40B4-BE49-F238E27FC236}">
-                <a16:creationId xmlns:a16="http://schemas.microsoft.com/office/drawing/2014/main" id="{31824397-C8DC-40FE-BF29-7AFA7B43F64F}"/>
-              </a:ext>
-            </a:extLst>
-          </p:cNvPr>
-          <p:cNvSpPr>
-            <a:spLocks noGrp="1"/>
-          </p:cNvSpPr>
-          <p:nvPr>
-            <p:ph idx="1"/>
-          </p:nvPr>
-        </p:nvSpPr>
-        <p:spPr/>
-        <p:txBody>
-          <a:bodyPr/>
-          <a:lstStyle/>
-          <a:p>
-            <a:pPr marL="0" indent="0">
+              <a:t>Теория</a:t>
+            </a:r>
+          </a:p>
+        </p:txBody>
+      </p:sp>
+      <p:pic>
+        <p:nvPicPr>
+          <p:cNvPr id="4" name="Google Shape;115;p18">
+            <a:extLst>
+              <a:ext uri="{FF2B5EF4-FFF2-40B4-BE49-F238E27FC236}">
+                <a16:creationId xmlns:a16="http://schemas.microsoft.com/office/drawing/2014/main" id="{E6216704-C48F-47C3-A58B-3C616A9B1259}"/>
+              </a:ext>
+            </a:extLst>
+          </p:cNvPr>
+          <p:cNvPicPr preferRelativeResize="0"/>
+          <p:nvPr/>
+        </p:nvPicPr>
+        <p:blipFill>
+          <a:blip r:embed="rId2">
+            <a:alphaModFix/>
+          </a:blip>
+          <a:stretch>
+            <a:fillRect/>
+          </a:stretch>
+        </p:blipFill>
+        <p:spPr>
+          <a:xfrm>
+            <a:off x="1077350" y="1600486"/>
+            <a:ext cx="3996070" cy="1042834"/>
+          </a:xfrm>
+          <a:prstGeom prst="rect">
+            <a:avLst/>
+          </a:prstGeom>
+          <a:noFill/>
+          <a:ln>
+            <a:noFill/>
+          </a:ln>
+        </p:spPr>
+      </p:pic>
+      <p:sp>
+        <p:nvSpPr>
+          <p:cNvPr id="5" name="Google Shape;116;p18">
+            <a:extLst>
+              <a:ext uri="{FF2B5EF4-FFF2-40B4-BE49-F238E27FC236}">
+                <a16:creationId xmlns:a16="http://schemas.microsoft.com/office/drawing/2014/main" id="{FA9A2C95-251B-4313-B166-20B1B6B290DA}"/>
+              </a:ext>
+            </a:extLst>
+          </p:cNvPr>
+          <p:cNvSpPr txBox="1"/>
+          <p:nvPr/>
+        </p:nvSpPr>
+        <p:spPr>
+          <a:xfrm>
+            <a:off x="502327" y="2520974"/>
+            <a:ext cx="4695150" cy="461635"/>
+          </a:xfrm>
+          <a:prstGeom prst="rect">
+            <a:avLst/>
+          </a:prstGeom>
+          <a:noFill/>
+          <a:ln>
+            <a:noFill/>
+          </a:ln>
+        </p:spPr>
+        <p:txBody>
+          <a:bodyPr spcFirstLastPara="1" wrap="square" lIns="91425" tIns="91425" rIns="91425" bIns="91425" anchor="t" anchorCtr="0">
+            <a:spAutoFit/>
+          </a:bodyPr>
+          <a:lstStyle/>
+          <a:p>
+            <a:pPr marL="0" lvl="0" indent="0" algn="ctr" rtl="0">
+              <a:spcBef>
+                <a:spcPts val="0"/>
+              </a:spcBef>
+              <a:spcAft>
+                <a:spcPts val="0"/>
+              </a:spcAft>
               <a:buNone/>
             </a:pPr>
             <a:r>
-              <a:rPr lang="ru-RU" dirty="0"/>
-              <a:t>Добавить диаграмму итоговых классов</a:t>
-            </a:r>
-          </a:p>
-          <a:p>
-            <a:pPr marL="0" indent="0">
+              <a:rPr lang="ru-RU" i="1" dirty="0">
+                <a:solidFill>
+                  <a:schemeClr val="dk1"/>
+                </a:solidFill>
+                <a:latin typeface="Calibri"/>
+                <a:ea typeface="Calibri"/>
+                <a:cs typeface="Calibri"/>
+                <a:sym typeface="Calibri"/>
+              </a:rPr>
+              <a:t>Основное уравнение радиолокации</a:t>
+            </a:r>
+            <a:endParaRPr i="1" dirty="0">
+              <a:solidFill>
+                <a:schemeClr val="dk1"/>
+              </a:solidFill>
+              <a:latin typeface="Calibri"/>
+              <a:ea typeface="Calibri"/>
+              <a:cs typeface="Calibri"/>
+              <a:sym typeface="Calibri"/>
+            </a:endParaRPr>
+          </a:p>
+        </p:txBody>
+      </p:sp>
+      <p:pic>
+        <p:nvPicPr>
+          <p:cNvPr id="6" name="Google Shape;117;p18">
+            <a:extLst>
+              <a:ext uri="{FF2B5EF4-FFF2-40B4-BE49-F238E27FC236}">
+                <a16:creationId xmlns:a16="http://schemas.microsoft.com/office/drawing/2014/main" id="{326698B5-E8AA-4367-A391-469EE7215D85}"/>
+              </a:ext>
+            </a:extLst>
+          </p:cNvPr>
+          <p:cNvPicPr preferRelativeResize="0"/>
+          <p:nvPr/>
+        </p:nvPicPr>
+        <p:blipFill>
+          <a:blip r:embed="rId3">
+            <a:alphaModFix/>
+          </a:blip>
+          <a:stretch>
+            <a:fillRect/>
+          </a:stretch>
+        </p:blipFill>
+        <p:spPr>
+          <a:xfrm>
+            <a:off x="7319228" y="1771918"/>
+            <a:ext cx="3882147" cy="876331"/>
+          </a:xfrm>
+          <a:prstGeom prst="rect">
+            <a:avLst/>
+          </a:prstGeom>
+          <a:noFill/>
+          <a:ln>
+            <a:noFill/>
+          </a:ln>
+        </p:spPr>
+      </p:pic>
+      <p:sp>
+        <p:nvSpPr>
+          <p:cNvPr id="7" name="Google Shape;119;p18">
+            <a:extLst>
+              <a:ext uri="{FF2B5EF4-FFF2-40B4-BE49-F238E27FC236}">
+                <a16:creationId xmlns:a16="http://schemas.microsoft.com/office/drawing/2014/main" id="{3CC0DEBB-FE75-4851-B969-8A8638FA5F04}"/>
+              </a:ext>
+            </a:extLst>
+          </p:cNvPr>
+          <p:cNvSpPr txBox="1"/>
+          <p:nvPr/>
+        </p:nvSpPr>
+        <p:spPr>
+          <a:xfrm>
+            <a:off x="7164371" y="5563100"/>
+            <a:ext cx="4037004" cy="1015632"/>
+          </a:xfrm>
+          <a:prstGeom prst="rect">
+            <a:avLst/>
+          </a:prstGeom>
+          <a:noFill/>
+          <a:ln>
+            <a:noFill/>
+          </a:ln>
+        </p:spPr>
+        <p:txBody>
+          <a:bodyPr spcFirstLastPara="1" wrap="square" lIns="91425" tIns="91425" rIns="91425" bIns="91425" anchor="t" anchorCtr="0">
+            <a:spAutoFit/>
+          </a:bodyPr>
+          <a:lstStyle/>
+          <a:p>
+            <a:pPr marL="0" lvl="0" indent="0" algn="ctr" rtl="0">
+              <a:spcBef>
+                <a:spcPts val="0"/>
+              </a:spcBef>
+              <a:spcAft>
+                <a:spcPts val="0"/>
+              </a:spcAft>
               <a:buNone/>
             </a:pPr>
             <a:r>
-              <a:rPr lang="ru-RU" dirty="0"/>
-              <a:t>(</a:t>
-            </a:r>
-            <a:r>
-              <a:rPr lang="en-US" dirty="0"/>
-              <a:t>https://online.visual-paradigm.com/app/diagrams/#diagram:proj=0&amp;type=ClassDiagram&amp;width=11&amp;height=8.5&amp;unit=inch</a:t>
-            </a:r>
-            <a:r>
-              <a:rPr lang="ru-RU" dirty="0"/>
-              <a:t>)</a:t>
-            </a:r>
+              <a:rPr lang="ru-RU" sz="1800" i="1" dirty="0">
+                <a:solidFill>
+                  <a:schemeClr val="dk1"/>
+                </a:solidFill>
+                <a:latin typeface="Calibri"/>
+                <a:ea typeface="Calibri"/>
+                <a:cs typeface="Calibri"/>
+                <a:sym typeface="Calibri"/>
+              </a:rPr>
+              <a:t>Временная развертка </a:t>
+            </a:r>
+            <a:r>
+              <a:rPr lang="ru-RU" sz="1800" i="1" dirty="0" err="1">
+                <a:solidFill>
+                  <a:schemeClr val="dk1"/>
+                </a:solidFill>
+                <a:latin typeface="Calibri"/>
+                <a:ea typeface="Calibri"/>
+                <a:cs typeface="Calibri"/>
+                <a:sym typeface="Calibri"/>
+              </a:rPr>
+              <a:t>квазинепрерывного</a:t>
+            </a:r>
+            <a:r>
+              <a:rPr lang="ru-RU" sz="1800" i="1" dirty="0">
+                <a:solidFill>
+                  <a:schemeClr val="dk1"/>
+                </a:solidFill>
+                <a:latin typeface="Calibri"/>
+                <a:ea typeface="Calibri"/>
+                <a:cs typeface="Calibri"/>
+                <a:sym typeface="Calibri"/>
+              </a:rPr>
+              <a:t> сигнала</a:t>
+            </a:r>
+            <a:endParaRPr sz="1800" i="1" dirty="0">
+              <a:solidFill>
+                <a:schemeClr val="dk1"/>
+              </a:solidFill>
+              <a:latin typeface="Calibri"/>
+              <a:ea typeface="Calibri"/>
+              <a:cs typeface="Calibri"/>
+              <a:sym typeface="Calibri"/>
+            </a:endParaRPr>
+          </a:p>
+          <a:p>
+            <a:pPr marL="0" lvl="0" indent="0" algn="l" rtl="0">
+              <a:spcBef>
+                <a:spcPts val="0"/>
+              </a:spcBef>
+              <a:spcAft>
+                <a:spcPts val="0"/>
+              </a:spcAft>
+              <a:buNone/>
+            </a:pPr>
+            <a:endParaRPr sz="1800" dirty="0">
+              <a:solidFill>
+                <a:schemeClr val="dk1"/>
+              </a:solidFill>
+              <a:latin typeface="Calibri"/>
+              <a:ea typeface="Calibri"/>
+              <a:cs typeface="Calibri"/>
+              <a:sym typeface="Calibri"/>
+            </a:endParaRPr>
+          </a:p>
+        </p:txBody>
+      </p:sp>
+      <p:pic>
+        <p:nvPicPr>
+          <p:cNvPr id="8" name="Google Shape;121;p18">
+            <a:extLst>
+              <a:ext uri="{FF2B5EF4-FFF2-40B4-BE49-F238E27FC236}">
+                <a16:creationId xmlns:a16="http://schemas.microsoft.com/office/drawing/2014/main" id="{1E2A652F-C5DE-47C2-A089-C4E3A1D1C7EC}"/>
+              </a:ext>
+            </a:extLst>
+          </p:cNvPr>
+          <p:cNvPicPr preferRelativeResize="0"/>
+          <p:nvPr/>
+        </p:nvPicPr>
+        <p:blipFill>
+          <a:blip r:embed="rId4">
+            <a:alphaModFix/>
+          </a:blip>
+          <a:stretch>
+            <a:fillRect/>
+          </a:stretch>
+        </p:blipFill>
+        <p:spPr>
+          <a:xfrm>
+            <a:off x="383075" y="3462192"/>
+            <a:ext cx="5389437" cy="2865603"/>
+          </a:xfrm>
+          <a:prstGeom prst="rect">
+            <a:avLst/>
+          </a:prstGeom>
+          <a:noFill/>
+          <a:ln>
+            <a:noFill/>
+          </a:ln>
+        </p:spPr>
+      </p:pic>
+      <p:pic>
+        <p:nvPicPr>
+          <p:cNvPr id="9" name="Google Shape;122;p18">
+            <a:extLst>
+              <a:ext uri="{FF2B5EF4-FFF2-40B4-BE49-F238E27FC236}">
+                <a16:creationId xmlns:a16="http://schemas.microsoft.com/office/drawing/2014/main" id="{8D988ACE-EC1D-4B4D-9FE5-43C785043D45}"/>
+              </a:ext>
+            </a:extLst>
+          </p:cNvPr>
+          <p:cNvPicPr preferRelativeResize="0"/>
+          <p:nvPr/>
+        </p:nvPicPr>
+        <p:blipFill>
+          <a:blip r:embed="rId5">
+            <a:alphaModFix/>
+          </a:blip>
+          <a:stretch>
+            <a:fillRect/>
+          </a:stretch>
+        </p:blipFill>
+        <p:spPr>
+          <a:xfrm>
+            <a:off x="6090031" y="3548137"/>
+            <a:ext cx="5704916" cy="1866585"/>
+          </a:xfrm>
+          <a:prstGeom prst="rect">
+            <a:avLst/>
+          </a:prstGeom>
+          <a:noFill/>
+          <a:ln>
+            <a:noFill/>
+          </a:ln>
+        </p:spPr>
+      </p:pic>
+      <p:sp>
+        <p:nvSpPr>
+          <p:cNvPr id="10" name="Google Shape;123;p18">
+            <a:extLst>
+              <a:ext uri="{FF2B5EF4-FFF2-40B4-BE49-F238E27FC236}">
+                <a16:creationId xmlns:a16="http://schemas.microsoft.com/office/drawing/2014/main" id="{1AFC7A04-1BD0-4086-B10B-58FC6B304B84}"/>
+              </a:ext>
+            </a:extLst>
+          </p:cNvPr>
+          <p:cNvSpPr txBox="1"/>
+          <p:nvPr/>
+        </p:nvSpPr>
+        <p:spPr>
+          <a:xfrm>
+            <a:off x="6683604" y="2520974"/>
+            <a:ext cx="4517771" cy="738633"/>
+          </a:xfrm>
+          <a:prstGeom prst="rect">
+            <a:avLst/>
+          </a:prstGeom>
+          <a:noFill/>
+          <a:ln>
+            <a:noFill/>
+          </a:ln>
+        </p:spPr>
+        <p:txBody>
+          <a:bodyPr spcFirstLastPara="1" wrap="square" lIns="91425" tIns="91425" rIns="91425" bIns="91425" anchor="t" anchorCtr="0">
+            <a:spAutoFit/>
+          </a:bodyPr>
+          <a:lstStyle/>
+          <a:p>
+            <a:pPr marL="0" lvl="0" indent="0" algn="ctr" rtl="0">
+              <a:spcBef>
+                <a:spcPts val="0"/>
+              </a:spcBef>
+              <a:spcAft>
+                <a:spcPts val="0"/>
+              </a:spcAft>
+              <a:buNone/>
+            </a:pPr>
+            <a:r>
+              <a:rPr lang="ru-RU" i="1" dirty="0">
+                <a:solidFill>
+                  <a:schemeClr val="dk1"/>
+                </a:solidFill>
+                <a:latin typeface="Calibri"/>
+                <a:ea typeface="Calibri"/>
+                <a:cs typeface="Calibri"/>
+                <a:sym typeface="Calibri"/>
+              </a:rPr>
+              <a:t>Расчетная формула для </a:t>
+            </a:r>
+            <a:r>
+              <a:rPr lang="ru-RU" i="1" dirty="0" err="1">
+                <a:solidFill>
+                  <a:schemeClr val="dk1"/>
+                </a:solidFill>
+                <a:latin typeface="Calibri"/>
+                <a:ea typeface="Calibri"/>
+                <a:cs typeface="Calibri"/>
+                <a:sym typeface="Calibri"/>
+              </a:rPr>
+              <a:t>квазинепрерывного</a:t>
+            </a:r>
+            <a:r>
+              <a:rPr lang="ru-RU" i="1" dirty="0">
+                <a:solidFill>
+                  <a:schemeClr val="dk1"/>
+                </a:solidFill>
+                <a:latin typeface="Calibri"/>
+                <a:ea typeface="Calibri"/>
+                <a:cs typeface="Calibri"/>
+                <a:sym typeface="Calibri"/>
+              </a:rPr>
+              <a:t> сигнала</a:t>
+            </a:r>
+            <a:endParaRPr i="1" dirty="0">
+              <a:solidFill>
+                <a:schemeClr val="dk1"/>
+              </a:solidFill>
+              <a:latin typeface="Calibri"/>
+              <a:ea typeface="Calibri"/>
+              <a:cs typeface="Calibri"/>
+              <a:sym typeface="Calibri"/>
+            </a:endParaRPr>
           </a:p>
         </p:txBody>
       </p:sp>
     </p:spTree>
     <p:extLst>
       <p:ext uri="{BB962C8B-B14F-4D97-AF65-F5344CB8AC3E}">
-        <p14:creationId xmlns:p14="http://schemas.microsoft.com/office/powerpoint/2010/main" val="28761746"/>
+        <p14:creationId xmlns:p14="http://schemas.microsoft.com/office/powerpoint/2010/main" val="2941181591"/>
       </p:ext>
     </p:extLst>
   </p:cSld>
@@ -4020,7 +5187,7 @@
           <p:cNvPr id="2" name="Заголовок 1">
             <a:extLst>
               <a:ext uri="{FF2B5EF4-FFF2-40B4-BE49-F238E27FC236}">
-                <a16:creationId xmlns:a16="http://schemas.microsoft.com/office/drawing/2014/main" id="{F5326DD7-BEAE-42C0-B33E-8BEEFE50C389}"/>
+                <a16:creationId xmlns:a16="http://schemas.microsoft.com/office/drawing/2014/main" id="{872DB2BE-117E-40AC-8CA8-0FC555E5991A}"/>
               </a:ext>
             </a:extLst>
           </p:cNvPr>
@@ -4038,104 +5205,191 @@
           <a:p>
             <a:r>
               <a:rPr lang="ru-RU" dirty="0"/>
-              <a:t>Реализация</a:t>
-            </a:r>
+              <a:t>Теория</a:t>
+            </a:r>
+          </a:p>
+        </p:txBody>
+      </p:sp>
+      <p:sp>
+        <p:nvSpPr>
+          <p:cNvPr id="4" name="Google Shape;143;p20">
+            <a:extLst>
+              <a:ext uri="{FF2B5EF4-FFF2-40B4-BE49-F238E27FC236}">
+                <a16:creationId xmlns:a16="http://schemas.microsoft.com/office/drawing/2014/main" id="{99E9BC1B-6E0C-4036-99B3-FE761B7912C5}"/>
+              </a:ext>
+            </a:extLst>
+          </p:cNvPr>
+          <p:cNvSpPr txBox="1"/>
+          <p:nvPr/>
+        </p:nvSpPr>
+        <p:spPr>
+          <a:xfrm>
+            <a:off x="1467461" y="2510372"/>
+            <a:ext cx="4971046" cy="738633"/>
+          </a:xfrm>
+          <a:prstGeom prst="rect">
+            <a:avLst/>
+          </a:prstGeom>
+          <a:noFill/>
+          <a:ln>
+            <a:noFill/>
+          </a:ln>
+        </p:spPr>
+        <p:txBody>
+          <a:bodyPr spcFirstLastPara="1" wrap="square" lIns="91425" tIns="91425" rIns="91425" bIns="91425" anchor="t" anchorCtr="0">
+            <a:spAutoFit/>
+          </a:bodyPr>
+          <a:lstStyle/>
+          <a:p>
+            <a:pPr marL="0" lvl="0" indent="0" algn="ctr" rtl="0">
+              <a:spcBef>
+                <a:spcPts val="0"/>
+              </a:spcBef>
+              <a:spcAft>
+                <a:spcPts val="0"/>
+              </a:spcAft>
+              <a:buNone/>
+            </a:pPr>
+            <a:r>
+              <a:rPr lang="ru-RU" sz="1800" i="1" dirty="0">
+                <a:solidFill>
+                  <a:schemeClr val="dk1"/>
+                </a:solidFill>
+                <a:latin typeface="Calibri"/>
+                <a:ea typeface="Calibri"/>
+                <a:cs typeface="Calibri"/>
+                <a:sym typeface="Calibri"/>
+              </a:rPr>
+              <a:t>Расчетная формула для </a:t>
+            </a:r>
+            <a:r>
+              <a:rPr lang="ru-RU" sz="1800" i="1" dirty="0" err="1">
+                <a:solidFill>
+                  <a:schemeClr val="dk1"/>
+                </a:solidFill>
+                <a:latin typeface="Calibri"/>
+                <a:ea typeface="Calibri"/>
+                <a:cs typeface="Calibri"/>
+                <a:sym typeface="Calibri"/>
+              </a:rPr>
+              <a:t>ЛЧМ</a:t>
+            </a:r>
+            <a:r>
+              <a:rPr lang="ru-RU" sz="1800" i="1" dirty="0">
+                <a:solidFill>
+                  <a:schemeClr val="dk1"/>
+                </a:solidFill>
+                <a:latin typeface="Calibri"/>
+                <a:ea typeface="Calibri"/>
+                <a:cs typeface="Calibri"/>
+                <a:sym typeface="Calibri"/>
+              </a:rPr>
+              <a:t>-сигнала</a:t>
+            </a:r>
+            <a:endParaRPr sz="1800" i="1" dirty="0">
+              <a:solidFill>
+                <a:schemeClr val="dk1"/>
+              </a:solidFill>
+              <a:latin typeface="Calibri"/>
+              <a:ea typeface="Calibri"/>
+              <a:cs typeface="Calibri"/>
+              <a:sym typeface="Calibri"/>
+            </a:endParaRPr>
+          </a:p>
+          <a:p>
+            <a:pPr marL="0" lvl="0" indent="0" algn="l" rtl="0">
+              <a:spcBef>
+                <a:spcPts val="0"/>
+              </a:spcBef>
+              <a:spcAft>
+                <a:spcPts val="0"/>
+              </a:spcAft>
+              <a:buNone/>
+            </a:pPr>
+            <a:endParaRPr sz="1800" dirty="0">
+              <a:solidFill>
+                <a:schemeClr val="dk1"/>
+              </a:solidFill>
+              <a:latin typeface="Calibri"/>
+              <a:ea typeface="Calibri"/>
+              <a:cs typeface="Calibri"/>
+              <a:sym typeface="Calibri"/>
+            </a:endParaRPr>
           </a:p>
         </p:txBody>
       </p:sp>
       <p:pic>
         <p:nvPicPr>
-          <p:cNvPr id="5" name="Объект 4">
-            <a:extLst>
-              <a:ext uri="{FF2B5EF4-FFF2-40B4-BE49-F238E27FC236}">
-                <a16:creationId xmlns:a16="http://schemas.microsoft.com/office/drawing/2014/main" id="{ED97BF9B-1815-4D0E-B994-DE690CBBE7A7}"/>
-              </a:ext>
-            </a:extLst>
-          </p:cNvPr>
-          <p:cNvPicPr>
-            <a:picLocks noGrp="1" noChangeAspect="1"/>
-          </p:cNvPicPr>
-          <p:nvPr>
-            <p:ph idx="1"/>
-          </p:nvPr>
+          <p:cNvPr id="5" name="Google Shape;144;p20">
+            <a:extLst>
+              <a:ext uri="{FF2B5EF4-FFF2-40B4-BE49-F238E27FC236}">
+                <a16:creationId xmlns:a16="http://schemas.microsoft.com/office/drawing/2014/main" id="{9FAD162C-AFFB-49AC-9F82-E64615432FE7}"/>
+              </a:ext>
+            </a:extLst>
+          </p:cNvPr>
+          <p:cNvPicPr preferRelativeResize="0"/>
+          <p:nvPr/>
         </p:nvPicPr>
         <p:blipFill>
-          <a:blip r:embed="rId2"/>
+          <a:blip r:embed="rId2">
+            <a:alphaModFix/>
+          </a:blip>
           <a:stretch>
             <a:fillRect/>
           </a:stretch>
         </p:blipFill>
         <p:spPr>
           <a:xfrm>
-            <a:off x="591540" y="1871797"/>
-            <a:ext cx="3207002" cy="3389313"/>
+            <a:off x="433633" y="1475067"/>
+            <a:ext cx="8420100" cy="1076325"/>
           </a:xfrm>
+          <a:prstGeom prst="rect">
+            <a:avLst/>
+          </a:prstGeom>
+          <a:noFill/>
+          <a:ln>
+            <a:noFill/>
+          </a:ln>
         </p:spPr>
       </p:pic>
       <p:pic>
         <p:nvPicPr>
-          <p:cNvPr id="7" name="Рисунок 6">
-            <a:extLst>
-              <a:ext uri="{FF2B5EF4-FFF2-40B4-BE49-F238E27FC236}">
-                <a16:creationId xmlns:a16="http://schemas.microsoft.com/office/drawing/2014/main" id="{6544EAFA-A354-4F2C-82D0-B9313F302BD7}"/>
-              </a:ext>
-            </a:extLst>
-          </p:cNvPr>
-          <p:cNvPicPr>
-            <a:picLocks noChangeAspect="1"/>
-          </p:cNvPicPr>
+          <p:cNvPr id="6" name="Google Shape;145;p20">
+            <a:extLst>
+              <a:ext uri="{FF2B5EF4-FFF2-40B4-BE49-F238E27FC236}">
+                <a16:creationId xmlns:a16="http://schemas.microsoft.com/office/drawing/2014/main" id="{C5744ACA-E14B-441D-9E42-3107226B60B0}"/>
+              </a:ext>
+            </a:extLst>
+          </p:cNvPr>
+          <p:cNvPicPr preferRelativeResize="0"/>
           <p:nvPr/>
         </p:nvPicPr>
         <p:blipFill>
-          <a:blip r:embed="rId3"/>
+          <a:blip r:embed="rId3">
+            <a:alphaModFix/>
+          </a:blip>
           <a:stretch>
             <a:fillRect/>
           </a:stretch>
         </p:blipFill>
         <p:spPr>
           <a:xfrm>
-            <a:off x="4483999" y="1871797"/>
-            <a:ext cx="3215502" cy="3389313"/>
+            <a:off x="4643683" y="3429000"/>
+            <a:ext cx="7210425" cy="2733675"/>
           </a:xfrm>
           <a:prstGeom prst="rect">
             <a:avLst/>
           </a:prstGeom>
-        </p:spPr>
-      </p:pic>
-      <p:pic>
-        <p:nvPicPr>
-          <p:cNvPr id="9" name="Рисунок 8">
-            <a:extLst>
-              <a:ext uri="{FF2B5EF4-FFF2-40B4-BE49-F238E27FC236}">
-                <a16:creationId xmlns:a16="http://schemas.microsoft.com/office/drawing/2014/main" id="{049219DA-E9E9-48F8-9BB6-45F46AC18BC0}"/>
-              </a:ext>
-            </a:extLst>
-          </p:cNvPr>
-          <p:cNvPicPr>
-            <a:picLocks noChangeAspect="1"/>
-          </p:cNvPicPr>
-          <p:nvPr/>
-        </p:nvPicPr>
-        <p:blipFill>
-          <a:blip r:embed="rId4"/>
-          <a:stretch>
-            <a:fillRect/>
-          </a:stretch>
-        </p:blipFill>
-        <p:spPr>
-          <a:xfrm>
-            <a:off x="8384958" y="1871799"/>
-            <a:ext cx="3215502" cy="3395521"/>
-          </a:xfrm>
-          <a:prstGeom prst="rect">
-            <a:avLst/>
-          </a:prstGeom>
+          <a:noFill/>
+          <a:ln>
+            <a:noFill/>
+          </a:ln>
         </p:spPr>
       </p:pic>
     </p:spTree>
     <p:extLst>
       <p:ext uri="{BB962C8B-B14F-4D97-AF65-F5344CB8AC3E}">
-        <p14:creationId xmlns:p14="http://schemas.microsoft.com/office/powerpoint/2010/main" val="3371105817"/>
+        <p14:creationId xmlns:p14="http://schemas.microsoft.com/office/powerpoint/2010/main" val="919749202"/>
       </p:ext>
     </p:extLst>
   </p:cSld>
@@ -4167,7 +5421,7 @@
           <p:cNvPr id="2" name="Заголовок 1">
             <a:extLst>
               <a:ext uri="{FF2B5EF4-FFF2-40B4-BE49-F238E27FC236}">
-                <a16:creationId xmlns:a16="http://schemas.microsoft.com/office/drawing/2014/main" id="{E35EA7A0-7C73-4054-974E-59C20617BD13}"/>
+                <a16:creationId xmlns:a16="http://schemas.microsoft.com/office/drawing/2014/main" id="{3AACD547-B531-4638-A208-0C4877723E36}"/>
               </a:ext>
             </a:extLst>
           </p:cNvPr>
@@ -4185,7 +5439,7 @@
           <a:p>
             <a:r>
               <a:rPr lang="ru-RU" dirty="0"/>
-              <a:t>Реализация</a:t>
+              <a:t>Стек</a:t>
             </a:r>
           </a:p>
         </p:txBody>
@@ -4195,7 +5449,7 @@
           <p:cNvPr id="3" name="Объект 2">
             <a:extLst>
               <a:ext uri="{FF2B5EF4-FFF2-40B4-BE49-F238E27FC236}">
-                <a16:creationId xmlns:a16="http://schemas.microsoft.com/office/drawing/2014/main" id="{31824397-C8DC-40FE-BF29-7AFA7B43F64F}"/>
+                <a16:creationId xmlns:a16="http://schemas.microsoft.com/office/drawing/2014/main" id="{86DD1E0D-59B5-421C-A0D0-FB28B267C881}"/>
               </a:ext>
             </a:extLst>
           </p:cNvPr>
@@ -4211,73 +5465,27 @@
           <a:bodyPr/>
           <a:lstStyle/>
           <a:p>
-            <a:endParaRPr lang="ru-RU"/>
-          </a:p>
-        </p:txBody>
-      </p:sp>
-      <p:pic>
-        <p:nvPicPr>
-          <p:cNvPr id="4" name="Рисунок 3">
-            <a:extLst>
-              <a:ext uri="{FF2B5EF4-FFF2-40B4-BE49-F238E27FC236}">
-                <a16:creationId xmlns:a16="http://schemas.microsoft.com/office/drawing/2014/main" id="{80E157C5-A55A-46DD-B303-38963A8D862A}"/>
-              </a:ext>
-            </a:extLst>
-          </p:cNvPr>
-          <p:cNvPicPr>
-            <a:picLocks noChangeAspect="1"/>
-          </p:cNvPicPr>
-          <p:nvPr/>
-        </p:nvPicPr>
-        <p:blipFill>
-          <a:blip r:embed="rId2"/>
-          <a:stretch>
-            <a:fillRect/>
-          </a:stretch>
-        </p:blipFill>
-        <p:spPr>
-          <a:xfrm>
-            <a:off x="514702" y="1632423"/>
-            <a:ext cx="4503887" cy="4737742"/>
-          </a:xfrm>
-          <a:prstGeom prst="rect">
-            <a:avLst/>
-          </a:prstGeom>
-        </p:spPr>
-      </p:pic>
-      <p:pic>
-        <p:nvPicPr>
-          <p:cNvPr id="10" name="Рисунок 9">
-            <a:extLst>
-              <a:ext uri="{FF2B5EF4-FFF2-40B4-BE49-F238E27FC236}">
-                <a16:creationId xmlns:a16="http://schemas.microsoft.com/office/drawing/2014/main" id="{CE674119-FA88-4228-A9BF-3CD5404C2CEA}"/>
-              </a:ext>
-            </a:extLst>
-          </p:cNvPr>
-          <p:cNvPicPr>
-            <a:picLocks noChangeAspect="1"/>
-          </p:cNvPicPr>
-          <p:nvPr/>
-        </p:nvPicPr>
-        <p:blipFill rotWithShape="1">
-          <a:blip r:embed="rId3"/>
-          <a:srcRect l="437"/>
-          <a:stretch/>
-        </p:blipFill>
-        <p:spPr>
-          <a:xfrm>
-            <a:off x="5497350" y="693603"/>
-            <a:ext cx="6257877" cy="5683516"/>
-          </a:xfrm>
-          <a:prstGeom prst="rect">
-            <a:avLst/>
-          </a:prstGeom>
-        </p:spPr>
-      </p:pic>
+            <a:r>
+              <a:rPr lang="ru-RU" dirty="0"/>
+              <a:t>С++</a:t>
+            </a:r>
+          </a:p>
+          <a:p>
+            <a:r>
+              <a:rPr lang="en-US" dirty="0" err="1"/>
+              <a:t>Qt6</a:t>
+            </a:r>
+            <a:endParaRPr lang="en-US" dirty="0"/>
+          </a:p>
+          <a:p>
+            <a:endParaRPr lang="ru-RU" dirty="0"/>
+          </a:p>
+        </p:txBody>
+      </p:sp>
     </p:spTree>
     <p:extLst>
       <p:ext uri="{BB962C8B-B14F-4D97-AF65-F5344CB8AC3E}">
-        <p14:creationId xmlns:p14="http://schemas.microsoft.com/office/powerpoint/2010/main" val="1127163266"/>
+        <p14:creationId xmlns:p14="http://schemas.microsoft.com/office/powerpoint/2010/main" val="3457317305"/>
       </p:ext>
     </p:extLst>
   </p:cSld>
@@ -4309,7 +5517,7 @@
           <p:cNvPr id="2" name="Заголовок 1">
             <a:extLst>
               <a:ext uri="{FF2B5EF4-FFF2-40B4-BE49-F238E27FC236}">
-                <a16:creationId xmlns:a16="http://schemas.microsoft.com/office/drawing/2014/main" id="{8E636C34-9CE8-442C-B15B-6869C25D88EF}"/>
+                <a16:creationId xmlns:a16="http://schemas.microsoft.com/office/drawing/2014/main" id="{E35EA7A0-7C73-4054-974E-59C20617BD13}"/>
               </a:ext>
             </a:extLst>
           </p:cNvPr>
@@ -4326,65 +5534,50 @@
           <a:lstStyle/>
           <a:p>
             <a:r>
+              <a:rPr lang="en-US" dirty="0"/>
+              <a:t>UML - </a:t>
+            </a:r>
+            <a:r>
               <a:rPr lang="ru-RU" dirty="0"/>
-              <a:t>Итоги</a:t>
-            </a:r>
-          </a:p>
-        </p:txBody>
-      </p:sp>
-      <p:sp>
-        <p:nvSpPr>
-          <p:cNvPr id="3" name="Объект 2">
-            <a:extLst>
-              <a:ext uri="{FF2B5EF4-FFF2-40B4-BE49-F238E27FC236}">
-                <a16:creationId xmlns:a16="http://schemas.microsoft.com/office/drawing/2014/main" id="{5643F895-1AC5-44D7-938F-4E3C9D06BE4F}"/>
-              </a:ext>
-            </a:extLst>
-          </p:cNvPr>
-          <p:cNvSpPr>
-            <a:spLocks noGrp="1"/>
-          </p:cNvSpPr>
-          <p:nvPr>
-            <p:ph idx="1"/>
-          </p:nvPr>
-        </p:nvSpPr>
-        <p:spPr/>
-        <p:txBody>
-          <a:bodyPr/>
-          <a:lstStyle/>
-          <a:p>
-            <a:r>
-              <a:rPr lang="ru-RU" dirty="0"/>
-              <a:t>Разработан симулятор отражения сигнала</a:t>
-            </a:r>
-          </a:p>
-          <a:p>
-            <a:r>
-              <a:rPr lang="ru-RU" dirty="0"/>
-              <a:t>Реализовано сохранение результата моделирования</a:t>
-            </a:r>
-          </a:p>
-          <a:p>
-            <a:r>
-              <a:rPr lang="ru-RU" dirty="0"/>
-              <a:t>Реализован вывод графика результата моделирования</a:t>
-            </a:r>
-          </a:p>
-          <a:p>
-            <a:r>
-              <a:rPr lang="ru-RU" dirty="0"/>
-              <a:t>Разработан графический интерфейс для визуализации моделирования</a:t>
-            </a:r>
-          </a:p>
-          <a:p>
-            <a:endParaRPr lang="ru-RU" dirty="0"/>
-          </a:p>
-        </p:txBody>
-      </p:sp>
+              <a:t>диаграмма</a:t>
+            </a:r>
+          </a:p>
+        </p:txBody>
+      </p:sp>
+      <p:pic>
+        <p:nvPicPr>
+          <p:cNvPr id="5" name="Рисунок 4">
+            <a:extLst>
+              <a:ext uri="{FF2B5EF4-FFF2-40B4-BE49-F238E27FC236}">
+                <a16:creationId xmlns:a16="http://schemas.microsoft.com/office/drawing/2014/main" id="{0F3F76F3-AD43-471A-A1D5-216E8F3953A5}"/>
+              </a:ext>
+            </a:extLst>
+          </p:cNvPr>
+          <p:cNvPicPr>
+            <a:picLocks noChangeAspect="1"/>
+          </p:cNvPicPr>
+          <p:nvPr/>
+        </p:nvPicPr>
+        <p:blipFill>
+          <a:blip r:embed="rId2"/>
+          <a:stretch>
+            <a:fillRect/>
+          </a:stretch>
+        </p:blipFill>
+        <p:spPr>
+          <a:xfrm>
+            <a:off x="1352556" y="1275116"/>
+            <a:ext cx="9486888" cy="4957605"/>
+          </a:xfrm>
+          <a:prstGeom prst="rect">
+            <a:avLst/>
+          </a:prstGeom>
+        </p:spPr>
+      </p:pic>
     </p:spTree>
     <p:extLst>
       <p:ext uri="{BB962C8B-B14F-4D97-AF65-F5344CB8AC3E}">
-        <p14:creationId xmlns:p14="http://schemas.microsoft.com/office/powerpoint/2010/main" val="3049608527"/>
+        <p14:creationId xmlns:p14="http://schemas.microsoft.com/office/powerpoint/2010/main" val="28761746"/>
       </p:ext>
     </p:extLst>
   </p:cSld>

--- a/presentation.pptx
+++ b/presentation.pptx
@@ -19,8 +19,9 @@
     <p:sldId id="270" r:id="rId13"/>
     <p:sldId id="271" r:id="rId14"/>
     <p:sldId id="272" r:id="rId15"/>
-    <p:sldId id="263" r:id="rId16"/>
-    <p:sldId id="268" r:id="rId17"/>
+    <p:sldId id="273" r:id="rId16"/>
+    <p:sldId id="263" r:id="rId17"/>
+    <p:sldId id="268" r:id="rId18"/>
   </p:sldIdLst>
   <p:sldSz cx="12192000" cy="6858000"/>
   <p:notesSz cx="6858000" cy="9144000"/>
@@ -274,7 +275,7 @@
           <a:p>
             <a:fld id="{C4398B16-2979-4210-8032-D30A6CFBC287}" type="datetimeFigureOut">
               <a:rPr lang="ru-RU" smtClean="0"/>
-              <a:t>15.05.2024</a:t>
+              <a:t>16.05.2024</a:t>
             </a:fld>
             <a:endParaRPr lang="ru-RU"/>
           </a:p>
@@ -472,7 +473,7 @@
           <a:p>
             <a:fld id="{C4398B16-2979-4210-8032-D30A6CFBC287}" type="datetimeFigureOut">
               <a:rPr lang="ru-RU" smtClean="0"/>
-              <a:t>15.05.2024</a:t>
+              <a:t>16.05.2024</a:t>
             </a:fld>
             <a:endParaRPr lang="ru-RU"/>
           </a:p>
@@ -680,7 +681,7 @@
           <a:p>
             <a:fld id="{C4398B16-2979-4210-8032-D30A6CFBC287}" type="datetimeFigureOut">
               <a:rPr lang="ru-RU" smtClean="0"/>
-              <a:t>15.05.2024</a:t>
+              <a:t>16.05.2024</a:t>
             </a:fld>
             <a:endParaRPr lang="ru-RU"/>
           </a:p>
@@ -878,7 +879,7 @@
           <a:p>
             <a:fld id="{C4398B16-2979-4210-8032-D30A6CFBC287}" type="datetimeFigureOut">
               <a:rPr lang="ru-RU" smtClean="0"/>
-              <a:t>15.05.2024</a:t>
+              <a:t>16.05.2024</a:t>
             </a:fld>
             <a:endParaRPr lang="ru-RU"/>
           </a:p>
@@ -1153,7 +1154,7 @@
           <a:p>
             <a:fld id="{C4398B16-2979-4210-8032-D30A6CFBC287}" type="datetimeFigureOut">
               <a:rPr lang="ru-RU" smtClean="0"/>
-              <a:t>15.05.2024</a:t>
+              <a:t>16.05.2024</a:t>
             </a:fld>
             <a:endParaRPr lang="ru-RU"/>
           </a:p>
@@ -1418,7 +1419,7 @@
           <a:p>
             <a:fld id="{C4398B16-2979-4210-8032-D30A6CFBC287}" type="datetimeFigureOut">
               <a:rPr lang="ru-RU" smtClean="0"/>
-              <a:t>15.05.2024</a:t>
+              <a:t>16.05.2024</a:t>
             </a:fld>
             <a:endParaRPr lang="ru-RU"/>
           </a:p>
@@ -1830,7 +1831,7 @@
           <a:p>
             <a:fld id="{C4398B16-2979-4210-8032-D30A6CFBC287}" type="datetimeFigureOut">
               <a:rPr lang="ru-RU" smtClean="0"/>
-              <a:t>15.05.2024</a:t>
+              <a:t>16.05.2024</a:t>
             </a:fld>
             <a:endParaRPr lang="ru-RU"/>
           </a:p>
@@ -1971,7 +1972,7 @@
           <a:p>
             <a:fld id="{C4398B16-2979-4210-8032-D30A6CFBC287}" type="datetimeFigureOut">
               <a:rPr lang="ru-RU" smtClean="0"/>
-              <a:t>15.05.2024</a:t>
+              <a:t>16.05.2024</a:t>
             </a:fld>
             <a:endParaRPr lang="ru-RU"/>
           </a:p>
@@ -2084,7 +2085,7 @@
           <a:p>
             <a:fld id="{C4398B16-2979-4210-8032-D30A6CFBC287}" type="datetimeFigureOut">
               <a:rPr lang="ru-RU" smtClean="0"/>
-              <a:t>15.05.2024</a:t>
+              <a:t>16.05.2024</a:t>
             </a:fld>
             <a:endParaRPr lang="ru-RU"/>
           </a:p>
@@ -2395,7 +2396,7 @@
           <a:p>
             <a:fld id="{C4398B16-2979-4210-8032-D30A6CFBC287}" type="datetimeFigureOut">
               <a:rPr lang="ru-RU" smtClean="0"/>
-              <a:t>15.05.2024</a:t>
+              <a:t>16.05.2024</a:t>
             </a:fld>
             <a:endParaRPr lang="ru-RU"/>
           </a:p>
@@ -2683,7 +2684,7 @@
           <a:p>
             <a:fld id="{C4398B16-2979-4210-8032-D30A6CFBC287}" type="datetimeFigureOut">
               <a:rPr lang="ru-RU" smtClean="0"/>
-              <a:t>15.05.2024</a:t>
+              <a:t>16.05.2024</a:t>
             </a:fld>
             <a:endParaRPr lang="ru-RU"/>
           </a:p>
@@ -2924,7 +2925,7 @@
           <a:p>
             <a:fld id="{C4398B16-2979-4210-8032-D30A6CFBC287}" type="datetimeFigureOut">
               <a:rPr lang="ru-RU" smtClean="0"/>
-              <a:t>15.05.2024</a:t>
+              <a:t>16.05.2024</a:t>
             </a:fld>
             <a:endParaRPr lang="ru-RU"/>
           </a:p>
@@ -3359,21 +3360,21 @@
         </p:nvSpPr>
         <p:spPr>
           <a:xfrm>
-            <a:off x="1524000" y="1519928"/>
+            <a:off x="1524000" y="1041400"/>
             <a:ext cx="9144000" cy="2387600"/>
           </a:xfrm>
         </p:spPr>
         <p:txBody>
           <a:bodyPr>
-            <a:normAutofit fontScale="90000"/>
+            <a:noAutofit/>
           </a:bodyPr>
           <a:lstStyle/>
           <a:p>
             <a:r>
-              <a:rPr lang="ru-RU" dirty="0">
+              <a:rPr lang="ru-RU" sz="4400" dirty="0">
                 <a:latin typeface="Impact" panose="020B0806030902050204" pitchFamily="34" charset="0"/>
               </a:rPr>
-              <a:t>Программная Реализация Математической Модели Для Модуля Имитатора Отраженного Сигнала</a:t>
+              <a:t>Программная Реализация Радиолокационной Станции Включающей Модуль Имитатора Отраженного Сигнала</a:t>
             </a:r>
           </a:p>
         </p:txBody>
@@ -3499,7 +3500,9 @@
           <a:lstStyle/>
           <a:p>
             <a:r>
-              <a:rPr lang="ru-RU" dirty="0"/>
+              <a:rPr lang="ru-RU" dirty="0">
+                <a:latin typeface="Impact" panose="020B0806030902050204" pitchFamily="34" charset="0"/>
+              </a:rPr>
               <a:t>Реализация</a:t>
             </a:r>
           </a:p>
@@ -3617,9 +3620,12 @@
           <a:lstStyle/>
           <a:p>
             <a:r>
-              <a:rPr lang="ru-RU" dirty="0"/>
+              <a:rPr lang="ru-RU" dirty="0">
+                <a:latin typeface="Impact" panose="020B0806030902050204" pitchFamily="34" charset="0"/>
+              </a:rPr>
               <a:t>Реализация</a:t>
             </a:r>
+            <a:endParaRPr lang="ru-RU" dirty="0"/>
           </a:p>
         </p:txBody>
       </p:sp>
@@ -3735,9 +3741,12 @@
           <a:lstStyle/>
           <a:p>
             <a:r>
-              <a:rPr lang="ru-RU" dirty="0"/>
+              <a:rPr lang="ru-RU" dirty="0">
+                <a:latin typeface="Impact" panose="020B0806030902050204" pitchFamily="34" charset="0"/>
+              </a:rPr>
               <a:t>Реализация</a:t>
             </a:r>
+            <a:endParaRPr lang="ru-RU" dirty="0"/>
           </a:p>
         </p:txBody>
       </p:sp>
@@ -3853,9 +3862,12 @@
           <a:lstStyle/>
           <a:p>
             <a:r>
-              <a:rPr lang="ru-RU" dirty="0"/>
+              <a:rPr lang="ru-RU" dirty="0">
+                <a:latin typeface="Impact" panose="020B0806030902050204" pitchFamily="34" charset="0"/>
+              </a:rPr>
               <a:t>Реализация</a:t>
             </a:r>
+            <a:endParaRPr lang="ru-RU" dirty="0"/>
           </a:p>
         </p:txBody>
       </p:sp>
@@ -3971,9 +3983,12 @@
           <a:lstStyle/>
           <a:p>
             <a:r>
-              <a:rPr lang="ru-RU" dirty="0"/>
+              <a:rPr lang="ru-RU" dirty="0">
+                <a:latin typeface="Impact" panose="020B0806030902050204" pitchFamily="34" charset="0"/>
+              </a:rPr>
               <a:t>Реализация</a:t>
             </a:r>
+            <a:endParaRPr lang="ru-RU" dirty="0"/>
           </a:p>
         </p:txBody>
       </p:sp>
@@ -4042,6 +4057,102 @@
           <p:cNvPr id="2" name="Заголовок 1">
             <a:extLst>
               <a:ext uri="{FF2B5EF4-FFF2-40B4-BE49-F238E27FC236}">
+                <a16:creationId xmlns:a16="http://schemas.microsoft.com/office/drawing/2014/main" id="{8F1AC807-42BA-4180-A1A0-981EEC89EDA5}"/>
+              </a:ext>
+            </a:extLst>
+          </p:cNvPr>
+          <p:cNvSpPr>
+            <a:spLocks noGrp="1"/>
+          </p:cNvSpPr>
+          <p:nvPr>
+            <p:ph type="title"/>
+          </p:nvPr>
+        </p:nvSpPr>
+        <p:spPr/>
+        <p:txBody>
+          <a:bodyPr/>
+          <a:lstStyle/>
+          <a:p>
+            <a:r>
+              <a:rPr lang="ru-RU" dirty="0">
+                <a:latin typeface="Impact" panose="020B0806030902050204" pitchFamily="34" charset="0"/>
+              </a:rPr>
+              <a:t>Реализация</a:t>
+            </a:r>
+            <a:endParaRPr lang="ru-RU" dirty="0"/>
+          </a:p>
+        </p:txBody>
+      </p:sp>
+      <p:sp>
+        <p:nvSpPr>
+          <p:cNvPr id="3" name="TextBox 2">
+            <a:extLst>
+              <a:ext uri="{FF2B5EF4-FFF2-40B4-BE49-F238E27FC236}">
+                <a16:creationId xmlns:a16="http://schemas.microsoft.com/office/drawing/2014/main" id="{9203F55A-29D8-4085-A9D9-C4C26551BDE9}"/>
+              </a:ext>
+            </a:extLst>
+          </p:cNvPr>
+          <p:cNvSpPr txBox="1"/>
+          <p:nvPr/>
+        </p:nvSpPr>
+        <p:spPr>
+          <a:xfrm>
+            <a:off x="1804946" y="2568271"/>
+            <a:ext cx="1057524" cy="369332"/>
+          </a:xfrm>
+          <a:prstGeom prst="rect">
+            <a:avLst/>
+          </a:prstGeom>
+          <a:noFill/>
+        </p:spPr>
+        <p:txBody>
+          <a:bodyPr wrap="square" rtlCol="0">
+            <a:spAutoFit/>
+          </a:bodyPr>
+          <a:lstStyle/>
+          <a:p>
+            <a:r>
+              <a:rPr lang="ru-RU" dirty="0"/>
+              <a:t>видео</a:t>
+            </a:r>
+          </a:p>
+        </p:txBody>
+      </p:sp>
+    </p:spTree>
+    <p:extLst>
+      <p:ext uri="{BB962C8B-B14F-4D97-AF65-F5344CB8AC3E}">
+        <p14:creationId xmlns:p14="http://schemas.microsoft.com/office/powerpoint/2010/main" val="4072341842"/>
+      </p:ext>
+    </p:extLst>
+  </p:cSld>
+  <p:clrMapOvr>
+    <a:masterClrMapping/>
+  </p:clrMapOvr>
+</p:sld>
+</file>
+
+<file path=ppt/slides/slide16.xml><?xml version="1.0" encoding="utf-8"?>
+<p:sld xmlns:a="http://schemas.openxmlformats.org/drawingml/2006/main" xmlns:r="http://schemas.openxmlformats.org/officeDocument/2006/relationships" xmlns:p="http://schemas.openxmlformats.org/presentationml/2006/main">
+  <p:cSld>
+    <p:spTree>
+      <p:nvGrpSpPr>
+        <p:cNvPr id="1" name=""/>
+        <p:cNvGrpSpPr/>
+        <p:nvPr/>
+      </p:nvGrpSpPr>
+      <p:grpSpPr>
+        <a:xfrm>
+          <a:off x="0" y="0"/>
+          <a:ext cx="0" cy="0"/>
+          <a:chOff x="0" y="0"/>
+          <a:chExt cx="0" cy="0"/>
+        </a:xfrm>
+      </p:grpSpPr>
+      <p:sp>
+        <p:nvSpPr>
+          <p:cNvPr id="2" name="Заголовок 1">
+            <a:extLst>
+              <a:ext uri="{FF2B5EF4-FFF2-40B4-BE49-F238E27FC236}">
                 <a16:creationId xmlns:a16="http://schemas.microsoft.com/office/drawing/2014/main" id="{8E636C34-9CE8-442C-B15B-6869C25D88EF}"/>
               </a:ext>
             </a:extLst>
@@ -4059,49 +4170,57 @@
           <a:lstStyle/>
           <a:p>
             <a:r>
+              <a:rPr lang="ru-RU" dirty="0">
+                <a:latin typeface="Impact" panose="020B0806030902050204" pitchFamily="34" charset="0"/>
+              </a:rPr>
+              <a:t>Реализация</a:t>
+            </a:r>
+            <a:endParaRPr lang="ru-RU" dirty="0"/>
+          </a:p>
+        </p:txBody>
+      </p:sp>
+      <p:sp>
+        <p:nvSpPr>
+          <p:cNvPr id="3" name="Объект 2">
+            <a:extLst>
+              <a:ext uri="{FF2B5EF4-FFF2-40B4-BE49-F238E27FC236}">
+                <a16:creationId xmlns:a16="http://schemas.microsoft.com/office/drawing/2014/main" id="{5643F895-1AC5-44D7-938F-4E3C9D06BE4F}"/>
+              </a:ext>
+            </a:extLst>
+          </p:cNvPr>
+          <p:cNvSpPr>
+            <a:spLocks noGrp="1"/>
+          </p:cNvSpPr>
+          <p:nvPr>
+            <p:ph idx="1"/>
+          </p:nvPr>
+        </p:nvSpPr>
+        <p:spPr>
+          <a:xfrm>
+            <a:off x="838199" y="1825625"/>
+            <a:ext cx="10556019" cy="4351338"/>
+          </a:xfrm>
+        </p:spPr>
+        <p:txBody>
+          <a:bodyPr/>
+          <a:lstStyle/>
+          <a:p>
+            <a:r>
               <a:rPr lang="ru-RU" dirty="0"/>
-              <a:t>Итоги</a:t>
-            </a:r>
-          </a:p>
-        </p:txBody>
-      </p:sp>
-      <p:sp>
-        <p:nvSpPr>
-          <p:cNvPr id="3" name="Объект 2">
-            <a:extLst>
-              <a:ext uri="{FF2B5EF4-FFF2-40B4-BE49-F238E27FC236}">
-                <a16:creationId xmlns:a16="http://schemas.microsoft.com/office/drawing/2014/main" id="{5643F895-1AC5-44D7-938F-4E3C9D06BE4F}"/>
-              </a:ext>
-            </a:extLst>
-          </p:cNvPr>
-          <p:cNvSpPr>
-            <a:spLocks noGrp="1"/>
-          </p:cNvSpPr>
-          <p:nvPr>
-            <p:ph idx="1"/>
-          </p:nvPr>
-        </p:nvSpPr>
-        <p:spPr/>
-        <p:txBody>
-          <a:bodyPr/>
-          <a:lstStyle/>
+              <a:t>Разработана система моделирования, включающая РЛС, модуль отраженного сигнала, модуль управления перемещением объекта</a:t>
+            </a:r>
+          </a:p>
           <a:p>
             <a:r>
               <a:rPr lang="ru-RU" dirty="0"/>
-              <a:t>Разработан симулятор отражения сигнала</a:t>
-            </a:r>
-          </a:p>
-          <a:p>
-            <a:r>
-              <a:rPr lang="ru-RU" dirty="0"/>
-              <a:t>Реализован вывод графика результата моделирования</a:t>
-            </a:r>
-          </a:p>
-          <a:p>
-            <a:r>
-              <a:rPr lang="ru-RU" dirty="0"/>
-              <a:t>Разработан графический интерфейс для визуализации моделирования</a:t>
-            </a:r>
+              <a:t>Разработан графический интерфейс для настройки параметров моделирования и визуализации результатов</a:t>
+            </a:r>
+          </a:p>
+          <a:p>
+            <a:pPr marL="0" indent="0">
+              <a:buNone/>
+            </a:pPr>
+            <a:endParaRPr lang="ru-RU" dirty="0"/>
           </a:p>
           <a:p>
             <a:pPr marL="0" indent="0">
@@ -4144,7 +4263,7 @@
 </p:sld>
 </file>
 
-<file path=ppt/slides/slide16.xml><?xml version="1.0" encoding="utf-8"?>
+<file path=ppt/slides/slide17.xml><?xml version="1.0" encoding="utf-8"?>
 <p:sld xmlns:a="http://schemas.openxmlformats.org/drawingml/2006/main" xmlns:r="http://schemas.openxmlformats.org/officeDocument/2006/relationships" xmlns:p="http://schemas.openxmlformats.org/presentationml/2006/main">
   <p:cSld>
     <p:spTree>
@@ -4250,7 +4369,9 @@
           <a:lstStyle/>
           <a:p>
             <a:r>
-              <a:rPr lang="ru-RU" dirty="0"/>
+              <a:rPr lang="ru-RU" dirty="0">
+                <a:latin typeface="Impact" panose="020B0806030902050204" pitchFamily="34" charset="0"/>
+              </a:rPr>
               <a:t>План</a:t>
             </a:r>
           </a:p>
@@ -4285,25 +4406,30 @@
           <a:p>
             <a:r>
               <a:rPr lang="ru-RU" dirty="0"/>
-              <a:t>Цель </a:t>
+              <a:t>Постановка задачи </a:t>
             </a:r>
           </a:p>
           <a:p>
             <a:r>
               <a:rPr lang="ru-RU" dirty="0"/>
-              <a:t>Задачи</a:t>
+              <a:t>Описание модели</a:t>
             </a:r>
           </a:p>
           <a:p>
             <a:r>
               <a:rPr lang="ru-RU" dirty="0"/>
-              <a:t>Теория</a:t>
-            </a:r>
-          </a:p>
-          <a:p>
+              <a:t>Технологии</a:t>
+            </a:r>
+            <a:endParaRPr lang="en-US" dirty="0"/>
+          </a:p>
+          <a:p>
+            <a:r>
+              <a:rPr lang="en-US" dirty="0"/>
+              <a:t>UML-</a:t>
+            </a:r>
             <a:r>
               <a:rPr lang="ru-RU" dirty="0"/>
-              <a:t>Стек</a:t>
+              <a:t>диаграмма</a:t>
             </a:r>
           </a:p>
           <a:p>
@@ -4378,80 +4504,326 @@
           <a:lstStyle/>
           <a:p>
             <a:r>
-              <a:rPr lang="ru-RU" dirty="0"/>
+              <a:rPr lang="ru-RU" dirty="0">
+                <a:latin typeface="Impact" panose="020B0806030902050204" pitchFamily="34" charset="0"/>
+              </a:rPr>
               <a:t>Команда</a:t>
             </a:r>
           </a:p>
         </p:txBody>
       </p:sp>
-      <p:sp>
-        <p:nvSpPr>
-          <p:cNvPr id="3" name="Объект 2">
-            <a:extLst>
-              <a:ext uri="{FF2B5EF4-FFF2-40B4-BE49-F238E27FC236}">
-                <a16:creationId xmlns:a16="http://schemas.microsoft.com/office/drawing/2014/main" id="{A945FAFF-6FE0-40CB-9493-D476F4D10E2D}"/>
-              </a:ext>
-            </a:extLst>
-          </p:cNvPr>
-          <p:cNvSpPr>
-            <a:spLocks noGrp="1"/>
-          </p:cNvSpPr>
-          <p:nvPr>
-            <p:ph idx="1"/>
-          </p:nvPr>
-        </p:nvSpPr>
-        <p:spPr/>
-        <p:txBody>
-          <a:bodyPr/>
-          <a:lstStyle/>
-          <a:p>
-            <a:r>
-              <a:rPr lang="ru-RU" dirty="0"/>
-              <a:t>Рябчиков Михаил</a:t>
-            </a:r>
-            <a:r>
-              <a:rPr lang="en-US" dirty="0"/>
-              <a:t>: </a:t>
-            </a:r>
-            <a:r>
-              <a:rPr lang="ru-RU" dirty="0"/>
-              <a:t>математическая модель</a:t>
-            </a:r>
-          </a:p>
-          <a:p>
-            <a:r>
-              <a:rPr lang="ru-RU" dirty="0" err="1"/>
-              <a:t>Фазлыев</a:t>
-            </a:r>
-            <a:r>
-              <a:rPr lang="ru-RU" dirty="0"/>
-              <a:t> Нияз</a:t>
-            </a:r>
-            <a:r>
-              <a:rPr lang="en-US" dirty="0"/>
-              <a:t>: </a:t>
-            </a:r>
-            <a:r>
-              <a:rPr lang="ru-RU" dirty="0"/>
-              <a:t>бэкенд, математическая модель</a:t>
-            </a:r>
-          </a:p>
-          <a:p>
-            <a:r>
-              <a:rPr lang="ru-RU" dirty="0"/>
-              <a:t>Чижикова Ярослава</a:t>
-            </a:r>
-            <a:r>
-              <a:rPr lang="en-US" dirty="0"/>
-              <a:t>: </a:t>
-            </a:r>
-            <a:r>
-              <a:rPr lang="ru-RU" dirty="0"/>
-              <a:t>графический интерфейс</a:t>
-            </a:r>
-          </a:p>
-        </p:txBody>
-      </p:sp>
+      <p:graphicFrame>
+        <p:nvGraphicFramePr>
+          <p:cNvPr id="5" name="Таблица 5">
+            <a:extLst>
+              <a:ext uri="{FF2B5EF4-FFF2-40B4-BE49-F238E27FC236}">
+                <a16:creationId xmlns:a16="http://schemas.microsoft.com/office/drawing/2014/main" id="{11AECDA5-6F18-4363-A62E-ADE5C6D53A12}"/>
+              </a:ext>
+            </a:extLst>
+          </p:cNvPr>
+          <p:cNvGraphicFramePr>
+            <a:graphicFrameLocks noGrp="1"/>
+          </p:cNvGraphicFramePr>
+          <p:nvPr>
+            <p:extLst>
+              <p:ext uri="{D42A27DB-BD31-4B8C-83A1-F6EECF244321}">
+                <p14:modId xmlns:p14="http://schemas.microsoft.com/office/powerpoint/2010/main" val="3389004846"/>
+              </p:ext>
+            </p:extLst>
+          </p:nvPr>
+        </p:nvGraphicFramePr>
+        <p:xfrm>
+          <a:off x="1358678" y="2266158"/>
+          <a:ext cx="9474643" cy="2325684"/>
+        </p:xfrm>
+        <a:graphic>
+          <a:graphicData uri="http://schemas.openxmlformats.org/drawingml/2006/table">
+            <a:tbl>
+              <a:tblPr firstRow="1" bandRow="1">
+                <a:tableStyleId>{5C22544A-7EE6-4342-B048-85BDC9FD1C3A}</a:tableStyleId>
+              </a:tblPr>
+              <a:tblGrid>
+                <a:gridCol w="2488945">
+                  <a:extLst>
+                    <a:ext uri="{9D8B030D-6E8A-4147-A177-3AD203B41FA5}">
+                      <a16:colId xmlns:a16="http://schemas.microsoft.com/office/drawing/2014/main" val="2796252650"/>
+                    </a:ext>
+                  </a:extLst>
+                </a:gridCol>
+                <a:gridCol w="2328566">
+                  <a:extLst>
+                    <a:ext uri="{9D8B030D-6E8A-4147-A177-3AD203B41FA5}">
+                      <a16:colId xmlns:a16="http://schemas.microsoft.com/office/drawing/2014/main" val="1556816508"/>
+                    </a:ext>
+                  </a:extLst>
+                </a:gridCol>
+                <a:gridCol w="2328566">
+                  <a:extLst>
+                    <a:ext uri="{9D8B030D-6E8A-4147-A177-3AD203B41FA5}">
+                      <a16:colId xmlns:a16="http://schemas.microsoft.com/office/drawing/2014/main" val="3977899856"/>
+                    </a:ext>
+                  </a:extLst>
+                </a:gridCol>
+                <a:gridCol w="2328566">
+                  <a:extLst>
+                    <a:ext uri="{9D8B030D-6E8A-4147-A177-3AD203B41FA5}">
+                      <a16:colId xmlns:a16="http://schemas.microsoft.com/office/drawing/2014/main" val="2467082677"/>
+                    </a:ext>
+                  </a:extLst>
+                </a:gridCol>
+              </a:tblGrid>
+              <a:tr h="581421">
+                <a:tc>
+                  <a:txBody>
+                    <a:bodyPr/>
+                    <a:lstStyle/>
+                    <a:p>
+                      <a:pPr algn="ctr"/>
+                      <a:r>
+                        <a:rPr lang="ru-RU" sz="2000" dirty="0"/>
+                        <a:t>Член команды</a:t>
+                      </a:r>
+                    </a:p>
+                  </a:txBody>
+                  <a:tcPr/>
+                </a:tc>
+                <a:tc>
+                  <a:txBody>
+                    <a:bodyPr/>
+                    <a:lstStyle/>
+                    <a:p>
+                      <a:pPr algn="ctr"/>
+                      <a:r>
+                        <a:rPr lang="ru-RU" sz="2000" dirty="0"/>
+                        <a:t>Мат. модель</a:t>
+                      </a:r>
+                    </a:p>
+                  </a:txBody>
+                  <a:tcPr/>
+                </a:tc>
+                <a:tc>
+                  <a:txBody>
+                    <a:bodyPr/>
+                    <a:lstStyle/>
+                    <a:p>
+                      <a:pPr algn="ctr"/>
+                      <a:r>
+                        <a:rPr lang="ru-RU" sz="2000" dirty="0"/>
+                        <a:t>Бэкенд</a:t>
+                      </a:r>
+                    </a:p>
+                  </a:txBody>
+                  <a:tcPr/>
+                </a:tc>
+                <a:tc>
+                  <a:txBody>
+                    <a:bodyPr/>
+                    <a:lstStyle/>
+                    <a:p>
+                      <a:pPr algn="ctr"/>
+                      <a:r>
+                        <a:rPr lang="ru-RU" sz="2000" dirty="0" err="1"/>
+                        <a:t>Фронтенд</a:t>
+                      </a:r>
+                      <a:endParaRPr lang="ru-RU" sz="2000" dirty="0"/>
+                    </a:p>
+                  </a:txBody>
+                  <a:tcPr/>
+                </a:tc>
+                <a:extLst>
+                  <a:ext uri="{0D108BD9-81ED-4DB2-BD59-A6C34878D82A}">
+                    <a16:rowId xmlns:a16="http://schemas.microsoft.com/office/drawing/2014/main" val="2218301122"/>
+                  </a:ext>
+                </a:extLst>
+              </a:tr>
+              <a:tr h="581421">
+                <a:tc>
+                  <a:txBody>
+                    <a:bodyPr/>
+                    <a:lstStyle/>
+                    <a:p>
+                      <a:pPr algn="ctr"/>
+                      <a:r>
+                        <a:rPr lang="ru-RU" sz="2000" dirty="0"/>
+                        <a:t>Рябчиков Михаил</a:t>
+                      </a:r>
+                    </a:p>
+                  </a:txBody>
+                  <a:tcPr/>
+                </a:tc>
+                <a:tc>
+                  <a:txBody>
+                    <a:bodyPr/>
+                    <a:lstStyle/>
+                    <a:p>
+                      <a:pPr algn="ctr"/>
+                      <a:r>
+                        <a:rPr lang="ru-RU" sz="2800" b="1" dirty="0"/>
+                        <a:t>+</a:t>
+                      </a:r>
+                    </a:p>
+                  </a:txBody>
+                  <a:tcPr/>
+                </a:tc>
+                <a:tc>
+                  <a:txBody>
+                    <a:bodyPr/>
+                    <a:lstStyle/>
+                    <a:p>
+                      <a:pPr algn="ctr"/>
+                      <a:r>
+                        <a:rPr lang="ru-RU" sz="2800" b="1" dirty="0"/>
+                        <a:t>+</a:t>
+                      </a:r>
+                    </a:p>
+                  </a:txBody>
+                  <a:tcPr/>
+                </a:tc>
+                <a:tc>
+                  <a:txBody>
+                    <a:bodyPr/>
+                    <a:lstStyle/>
+                    <a:p>
+                      <a:pPr algn="ctr"/>
+                      <a:endParaRPr lang="ru-RU" sz="2000"/>
+                    </a:p>
+                  </a:txBody>
+                  <a:tcPr/>
+                </a:tc>
+                <a:extLst>
+                  <a:ext uri="{0D108BD9-81ED-4DB2-BD59-A6C34878D82A}">
+                    <a16:rowId xmlns:a16="http://schemas.microsoft.com/office/drawing/2014/main" val="2325383161"/>
+                  </a:ext>
+                </a:extLst>
+              </a:tr>
+              <a:tr h="581421">
+                <a:tc>
+                  <a:txBody>
+                    <a:bodyPr/>
+                    <a:lstStyle/>
+                    <a:p>
+                      <a:pPr algn="ctr"/>
+                      <a:r>
+                        <a:rPr lang="ru-RU" sz="2000" dirty="0" err="1"/>
+                        <a:t>Фазлыев</a:t>
+                      </a:r>
+                      <a:r>
+                        <a:rPr lang="ru-RU" sz="2000" dirty="0"/>
+                        <a:t> Нияз</a:t>
+                      </a:r>
+                    </a:p>
+                  </a:txBody>
+                  <a:tcPr/>
+                </a:tc>
+                <a:tc>
+                  <a:txBody>
+                    <a:bodyPr/>
+                    <a:lstStyle/>
+                    <a:p>
+                      <a:pPr algn="ctr"/>
+                      <a:r>
+                        <a:rPr lang="ru-RU" sz="2800" b="1" dirty="0"/>
+                        <a:t>+</a:t>
+                      </a:r>
+                    </a:p>
+                  </a:txBody>
+                  <a:tcPr/>
+                </a:tc>
+                <a:tc>
+                  <a:txBody>
+                    <a:bodyPr/>
+                    <a:lstStyle/>
+                    <a:p>
+                      <a:pPr algn="ctr"/>
+                      <a:r>
+                        <a:rPr lang="ru-RU" sz="2800" b="1" dirty="0"/>
+                        <a:t>+</a:t>
+                      </a:r>
+                    </a:p>
+                  </a:txBody>
+                  <a:tcPr/>
+                </a:tc>
+                <a:tc>
+                  <a:txBody>
+                    <a:bodyPr/>
+                    <a:lstStyle/>
+                    <a:p>
+                      <a:pPr algn="ctr"/>
+                      <a:endParaRPr lang="ru-RU" sz="2000"/>
+                    </a:p>
+                  </a:txBody>
+                  <a:tcPr/>
+                </a:tc>
+                <a:extLst>
+                  <a:ext uri="{0D108BD9-81ED-4DB2-BD59-A6C34878D82A}">
+                    <a16:rowId xmlns:a16="http://schemas.microsoft.com/office/drawing/2014/main" val="754895741"/>
+                  </a:ext>
+                </a:extLst>
+              </a:tr>
+              <a:tr h="581421">
+                <a:tc>
+                  <a:txBody>
+                    <a:bodyPr/>
+                    <a:lstStyle/>
+                    <a:p>
+                      <a:pPr algn="ctr"/>
+                      <a:r>
+                        <a:rPr lang="ru-RU" sz="2000" dirty="0"/>
+                        <a:t>Чижикова Ярослава</a:t>
+                      </a:r>
+                    </a:p>
+                  </a:txBody>
+                  <a:tcPr/>
+                </a:tc>
+                <a:tc>
+                  <a:txBody>
+                    <a:bodyPr/>
+                    <a:lstStyle/>
+                    <a:p>
+                      <a:pPr algn="ctr"/>
+                      <a:endParaRPr lang="ru-RU" sz="2000"/>
+                    </a:p>
+                  </a:txBody>
+                  <a:tcPr/>
+                </a:tc>
+                <a:tc>
+                  <a:txBody>
+                    <a:bodyPr/>
+                    <a:lstStyle/>
+                    <a:p>
+                      <a:pPr algn="ctr"/>
+                      <a:r>
+                        <a:rPr lang="ru-RU" sz="2800" b="1" dirty="0"/>
+                        <a:t>+</a:t>
+                      </a:r>
+                    </a:p>
+                  </a:txBody>
+                  <a:tcPr/>
+                </a:tc>
+                <a:tc>
+                  <a:txBody>
+                    <a:bodyPr/>
+                    <a:lstStyle/>
+                    <a:p>
+                      <a:pPr algn="ctr"/>
+                      <a:r>
+                        <a:rPr lang="ru-RU" sz="2800" b="1" dirty="0"/>
+                        <a:t>+</a:t>
+                      </a:r>
+                    </a:p>
+                  </a:txBody>
+                  <a:tcPr/>
+                </a:tc>
+                <a:extLst>
+                  <a:ext uri="{0D108BD9-81ED-4DB2-BD59-A6C34878D82A}">
+                    <a16:rowId xmlns:a16="http://schemas.microsoft.com/office/drawing/2014/main" val="856956874"/>
+                  </a:ext>
+                </a:extLst>
+              </a:tr>
+            </a:tbl>
+          </a:graphicData>
+        </a:graphic>
+      </p:graphicFrame>
     </p:spTree>
     <p:extLst>
       <p:ext uri="{BB962C8B-B14F-4D97-AF65-F5344CB8AC3E}">
@@ -4504,7 +4876,9 @@
           <a:lstStyle/>
           <a:p>
             <a:r>
-              <a:rPr lang="ru-RU" dirty="0"/>
+              <a:rPr lang="ru-RU" dirty="0">
+                <a:latin typeface="Impact" panose="020B0806030902050204" pitchFamily="34" charset="0"/>
+              </a:rPr>
               <a:t>Цель</a:t>
             </a:r>
           </a:p>
@@ -4590,7 +4964,9 @@
           <a:lstStyle/>
           <a:p>
             <a:r>
-              <a:rPr lang="ru-RU" dirty="0"/>
+              <a:rPr lang="ru-RU" dirty="0">
+                <a:latin typeface="Impact" panose="020B0806030902050204" pitchFamily="34" charset="0"/>
+              </a:rPr>
               <a:t>Задачи</a:t>
             </a:r>
           </a:p>
@@ -4614,7 +4990,9 @@
         </p:nvSpPr>
         <p:spPr/>
         <p:txBody>
-          <a:bodyPr/>
+          <a:bodyPr>
+            <a:normAutofit lnSpcReduction="10000"/>
+          </a:bodyPr>
           <a:lstStyle/>
           <a:p>
             <a:pPr marL="514350" indent="-514350">
@@ -4692,7 +5070,25 @@
             </a:pPr>
             <a:r>
               <a:rPr lang="ru-RU" dirty="0"/>
-              <a:t>4</a:t>
+              <a:t>4. Тестирование</a:t>
+            </a:r>
+          </a:p>
+          <a:p>
+            <a:pPr marL="0" indent="0">
+              <a:buNone/>
+            </a:pPr>
+            <a:r>
+              <a:rPr lang="ru-RU" dirty="0"/>
+              <a:t>5. Документация</a:t>
+            </a:r>
+          </a:p>
+          <a:p>
+            <a:pPr marL="0" indent="0">
+              <a:buNone/>
+            </a:pPr>
+            <a:r>
+              <a:rPr lang="ru-RU" dirty="0"/>
+              <a:t>6. Презентация</a:t>
             </a:r>
             <a:endParaRPr lang="en-US" dirty="0"/>
           </a:p>
@@ -4750,8 +5146,10 @@
           <a:lstStyle/>
           <a:p>
             <a:r>
-              <a:rPr lang="ru-RU" dirty="0"/>
-              <a:t>Теория</a:t>
+              <a:rPr lang="ru-RU" dirty="0">
+                <a:latin typeface="Impact" panose="020B0806030902050204" pitchFamily="34" charset="0"/>
+              </a:rPr>
+              <a:t>Описание Модели</a:t>
             </a:r>
           </a:p>
         </p:txBody>
@@ -5204,8 +5602,10 @@
           <a:lstStyle/>
           <a:p>
             <a:r>
-              <a:rPr lang="ru-RU" dirty="0"/>
-              <a:t>Теория</a:t>
+              <a:rPr lang="ru-RU" dirty="0">
+                <a:latin typeface="Impact" panose="020B0806030902050204" pitchFamily="34" charset="0"/>
+              </a:rPr>
+              <a:t>Описание Модели</a:t>
             </a:r>
           </a:p>
         </p:txBody>
@@ -5438,50 +5838,206 @@
           <a:lstStyle/>
           <a:p>
             <a:r>
-              <a:rPr lang="ru-RU" dirty="0"/>
-              <a:t>Стек</a:t>
-            </a:r>
-          </a:p>
-        </p:txBody>
-      </p:sp>
-      <p:sp>
-        <p:nvSpPr>
-          <p:cNvPr id="3" name="Объект 2">
-            <a:extLst>
-              <a:ext uri="{FF2B5EF4-FFF2-40B4-BE49-F238E27FC236}">
-                <a16:creationId xmlns:a16="http://schemas.microsoft.com/office/drawing/2014/main" id="{86DD1E0D-59B5-421C-A0D0-FB28B267C881}"/>
-              </a:ext>
-            </a:extLst>
-          </p:cNvPr>
-          <p:cNvSpPr>
-            <a:spLocks noGrp="1"/>
-          </p:cNvSpPr>
-          <p:nvPr>
-            <p:ph idx="1"/>
-          </p:nvPr>
-        </p:nvSpPr>
-        <p:spPr/>
-        <p:txBody>
-          <a:bodyPr/>
-          <a:lstStyle/>
-          <a:p>
-            <a:r>
-              <a:rPr lang="ru-RU" dirty="0"/>
+              <a:rPr lang="ru-RU" dirty="0">
+                <a:latin typeface="Impact" panose="020B0806030902050204" pitchFamily="34" charset="0"/>
+              </a:rPr>
+              <a:t>Технологии</a:t>
+            </a:r>
+          </a:p>
+        </p:txBody>
+      </p:sp>
+      <p:sp>
+        <p:nvSpPr>
+          <p:cNvPr id="4" name="Прямоугольник: скругленные углы 3">
+            <a:extLst>
+              <a:ext uri="{FF2B5EF4-FFF2-40B4-BE49-F238E27FC236}">
+                <a16:creationId xmlns:a16="http://schemas.microsoft.com/office/drawing/2014/main" id="{570BBCAF-ACA2-4634-B69C-0897FD6A29F4}"/>
+              </a:ext>
+            </a:extLst>
+          </p:cNvPr>
+          <p:cNvSpPr/>
+          <p:nvPr/>
+        </p:nvSpPr>
+        <p:spPr>
+          <a:xfrm>
+            <a:off x="2353586" y="2737236"/>
+            <a:ext cx="2792233" cy="1383527"/>
+          </a:xfrm>
+          <a:prstGeom prst="roundRect">
+            <a:avLst/>
+          </a:prstGeom>
+        </p:spPr>
+        <p:style>
+          <a:lnRef idx="2">
+            <a:schemeClr val="accent1">
+              <a:shade val="50000"/>
+            </a:schemeClr>
+          </a:lnRef>
+          <a:fillRef idx="1">
+            <a:schemeClr val="accent1"/>
+          </a:fillRef>
+          <a:effectRef idx="0">
+            <a:schemeClr val="accent1"/>
+          </a:effectRef>
+          <a:fontRef idx="minor">
+            <a:schemeClr val="lt1"/>
+          </a:fontRef>
+        </p:style>
+        <p:txBody>
+          <a:bodyPr rtlCol="0" anchor="ctr"/>
+          <a:lstStyle/>
+          <a:p>
+            <a:pPr algn="ctr"/>
+            <a:r>
+              <a:rPr lang="ru-RU" sz="3600" dirty="0"/>
               <a:t>С++</a:t>
             </a:r>
           </a:p>
-          <a:p>
-            <a:r>
-              <a:rPr lang="en-US" dirty="0" err="1"/>
+        </p:txBody>
+      </p:sp>
+      <p:sp>
+        <p:nvSpPr>
+          <p:cNvPr id="5" name="Прямоугольник: скругленные углы 4">
+            <a:extLst>
+              <a:ext uri="{FF2B5EF4-FFF2-40B4-BE49-F238E27FC236}">
+                <a16:creationId xmlns:a16="http://schemas.microsoft.com/office/drawing/2014/main" id="{74B5C42A-AD47-46D1-8460-F68E36494505}"/>
+              </a:ext>
+            </a:extLst>
+          </p:cNvPr>
+          <p:cNvSpPr/>
+          <p:nvPr/>
+        </p:nvSpPr>
+        <p:spPr>
+          <a:xfrm>
+            <a:off x="6194067" y="1762414"/>
+            <a:ext cx="2792233" cy="1383527"/>
+          </a:xfrm>
+          <a:prstGeom prst="roundRect">
+            <a:avLst/>
+          </a:prstGeom>
+        </p:spPr>
+        <p:style>
+          <a:lnRef idx="2">
+            <a:schemeClr val="accent1">
+              <a:shade val="50000"/>
+            </a:schemeClr>
+          </a:lnRef>
+          <a:fillRef idx="1">
+            <a:schemeClr val="accent1"/>
+          </a:fillRef>
+          <a:effectRef idx="0">
+            <a:schemeClr val="accent1"/>
+          </a:effectRef>
+          <a:fontRef idx="minor">
+            <a:schemeClr val="lt1"/>
+          </a:fontRef>
+        </p:style>
+        <p:txBody>
+          <a:bodyPr rtlCol="0" anchor="ctr"/>
+          <a:lstStyle/>
+          <a:p>
+            <a:pPr algn="ctr"/>
+            <a:r>
+              <a:rPr lang="en-US" sz="4000" dirty="0" err="1"/>
               <a:t>Qt6</a:t>
             </a:r>
-            <a:endParaRPr lang="en-US" dirty="0"/>
-          </a:p>
-          <a:p>
-            <a:endParaRPr lang="ru-RU" dirty="0"/>
-          </a:p>
-        </p:txBody>
-      </p:sp>
+            <a:endParaRPr lang="ru-RU" sz="4000" dirty="0"/>
+          </a:p>
+        </p:txBody>
+      </p:sp>
+      <p:sp>
+        <p:nvSpPr>
+          <p:cNvPr id="6" name="Прямоугольник: скругленные углы 5">
+            <a:extLst>
+              <a:ext uri="{FF2B5EF4-FFF2-40B4-BE49-F238E27FC236}">
+                <a16:creationId xmlns:a16="http://schemas.microsoft.com/office/drawing/2014/main" id="{C6A62AB7-2CE0-40E1-A606-CA437CC4CD18}"/>
+              </a:ext>
+            </a:extLst>
+          </p:cNvPr>
+          <p:cNvSpPr/>
+          <p:nvPr/>
+        </p:nvSpPr>
+        <p:spPr>
+          <a:xfrm>
+            <a:off x="6194066" y="3712060"/>
+            <a:ext cx="2792233" cy="1383527"/>
+          </a:xfrm>
+          <a:prstGeom prst="roundRect">
+            <a:avLst/>
+          </a:prstGeom>
+        </p:spPr>
+        <p:style>
+          <a:lnRef idx="2">
+            <a:schemeClr val="accent1">
+              <a:shade val="50000"/>
+            </a:schemeClr>
+          </a:lnRef>
+          <a:fillRef idx="1">
+            <a:schemeClr val="accent1"/>
+          </a:fillRef>
+          <a:effectRef idx="0">
+            <a:schemeClr val="accent1"/>
+          </a:effectRef>
+          <a:fontRef idx="minor">
+            <a:schemeClr val="lt1"/>
+          </a:fontRef>
+        </p:style>
+        <p:txBody>
+          <a:bodyPr rtlCol="0" anchor="ctr"/>
+          <a:lstStyle/>
+          <a:p>
+            <a:pPr algn="ctr"/>
+            <a:r>
+              <a:rPr lang="en-US" sz="3200" dirty="0" err="1"/>
+              <a:t>qcustomplot</a:t>
+            </a:r>
+            <a:endParaRPr lang="ru-RU" sz="3200" dirty="0"/>
+          </a:p>
+        </p:txBody>
+      </p:sp>
+      <p:cxnSp>
+        <p:nvCxnSpPr>
+          <p:cNvPr id="10" name="Прямая со стрелкой 9">
+            <a:extLst>
+              <a:ext uri="{FF2B5EF4-FFF2-40B4-BE49-F238E27FC236}">
+                <a16:creationId xmlns:a16="http://schemas.microsoft.com/office/drawing/2014/main" id="{C23A590F-FDBE-4AD9-993E-B5D6A4BC3FC8}"/>
+              </a:ext>
+            </a:extLst>
+          </p:cNvPr>
+          <p:cNvCxnSpPr>
+            <a:stCxn id="5" idx="2"/>
+            <a:endCxn id="6" idx="0"/>
+          </p:cNvCxnSpPr>
+          <p:nvPr/>
+        </p:nvCxnSpPr>
+        <p:spPr>
+          <a:xfrm flipH="1">
+            <a:off x="7590183" y="3145941"/>
+            <a:ext cx="1" cy="566119"/>
+          </a:xfrm>
+          <a:prstGeom prst="straightConnector1">
+            <a:avLst/>
+          </a:prstGeom>
+          <a:ln w="57150">
+            <a:headEnd type="triangle"/>
+            <a:tailEnd type="triangle"/>
+          </a:ln>
+        </p:spPr>
+        <p:style>
+          <a:lnRef idx="1">
+            <a:schemeClr val="accent1"/>
+          </a:lnRef>
+          <a:fillRef idx="0">
+            <a:schemeClr val="accent1"/>
+          </a:fillRef>
+          <a:effectRef idx="0">
+            <a:schemeClr val="accent1"/>
+          </a:effectRef>
+          <a:fontRef idx="minor">
+            <a:schemeClr val="tx1"/>
+          </a:fontRef>
+        </p:style>
+      </p:cxnSp>
     </p:spTree>
     <p:extLst>
       <p:ext uri="{BB962C8B-B14F-4D97-AF65-F5344CB8AC3E}">
@@ -5534,11 +6090,15 @@
           <a:lstStyle/>
           <a:p>
             <a:r>
-              <a:rPr lang="en-US" dirty="0"/>
-              <a:t>UML - </a:t>
-            </a:r>
-            <a:r>
-              <a:rPr lang="ru-RU" dirty="0"/>
+              <a:rPr lang="en-US" dirty="0">
+                <a:latin typeface="Impact" panose="020B0806030902050204" pitchFamily="34" charset="0"/>
+              </a:rPr>
+              <a:t>UML-</a:t>
+            </a:r>
+            <a:r>
+              <a:rPr lang="ru-RU" dirty="0">
+                <a:latin typeface="Impact" panose="020B0806030902050204" pitchFamily="34" charset="0"/>
+              </a:rPr>
               <a:t>диаграмма</a:t>
             </a:r>
           </a:p>

--- a/presentation.pptx
+++ b/presentation.pptx
@@ -3782,10 +3782,10 @@
       </p:pic>
       <p:pic>
         <p:nvPicPr>
-          <p:cNvPr id="12" name="Рисунок 11">
-            <a:extLst>
-              <a:ext uri="{FF2B5EF4-FFF2-40B4-BE49-F238E27FC236}">
-                <a16:creationId xmlns:a16="http://schemas.microsoft.com/office/drawing/2014/main" id="{FD300778-E4F7-4A77-932C-8443C5FAD7B9}"/>
+          <p:cNvPr id="9" name="Рисунок 8">
+            <a:extLst>
+              <a:ext uri="{FF2B5EF4-FFF2-40B4-BE49-F238E27FC236}">
+                <a16:creationId xmlns:a16="http://schemas.microsoft.com/office/drawing/2014/main" id="{95CD4F8A-E099-464B-8D5A-B5EF9F52F5F1}"/>
               </a:ext>
             </a:extLst>
           </p:cNvPr>
@@ -3802,8 +3802,8 @@
         </p:blipFill>
         <p:spPr>
           <a:xfrm>
-            <a:off x="6273523" y="1543011"/>
-            <a:ext cx="5621008" cy="4991572"/>
+            <a:off x="6273521" y="1544196"/>
+            <a:ext cx="5568968" cy="4948679"/>
           </a:xfrm>
           <a:prstGeom prst="rect">
             <a:avLst/>
